--- a/Terraform/Introduction/[Topic 5] Terraform Core concepts.pptx
+++ b/Terraform/Introduction/[Topic 5] Terraform Core concepts.pptx
@@ -5,35 +5,34 @@
     <p:sldMasterId id="2147483659" r:id="rId4"/>
   </p:sldMasterIdLst>
   <p:notesMasterIdLst>
-    <p:notesMasterId r:id="rId14"/>
+    <p:notesMasterId r:id="rId13"/>
   </p:notesMasterIdLst>
   <p:sldIdLst>
     <p:sldId id="262" r:id="rId5"/>
     <p:sldId id="265" r:id="rId6"/>
     <p:sldId id="287" r:id="rId7"/>
-    <p:sldId id="288" r:id="rId8"/>
-    <p:sldId id="289" r:id="rId9"/>
-    <p:sldId id="290" r:id="rId10"/>
-    <p:sldId id="291" r:id="rId11"/>
-    <p:sldId id="294" r:id="rId12"/>
-    <p:sldId id="278" r:id="rId13"/>
+    <p:sldId id="289" r:id="rId8"/>
+    <p:sldId id="290" r:id="rId9"/>
+    <p:sldId id="291" r:id="rId10"/>
+    <p:sldId id="294" r:id="rId11"/>
+    <p:sldId id="278" r:id="rId12"/>
   </p:sldIdLst>
   <p:sldSz cx="9144000" cy="5143500" type="screen16x9"/>
   <p:notesSz cx="6858000" cy="9144000"/>
   <p:embeddedFontLst>
     <p:embeddedFont>
       <p:font typeface="Fira Sans Light" panose="020B0403050000020004" pitchFamily="34" charset="0"/>
-      <p:regular r:id="rId15"/>
-      <p:bold r:id="rId16"/>
-      <p:italic r:id="rId17"/>
-      <p:boldItalic r:id="rId18"/>
+      <p:regular r:id="rId14"/>
+      <p:bold r:id="rId15"/>
+      <p:italic r:id="rId16"/>
+      <p:boldItalic r:id="rId17"/>
     </p:embeddedFont>
     <p:embeddedFont>
       <p:font typeface="Fira Sans SemiBold" panose="020B0603050000020004" pitchFamily="34" charset="0"/>
-      <p:regular r:id="rId19"/>
-      <p:bold r:id="rId20"/>
-      <p:italic r:id="rId21"/>
-      <p:boldItalic r:id="rId22"/>
+      <p:regular r:id="rId18"/>
+      <p:bold r:id="rId19"/>
+      <p:italic r:id="rId20"/>
+      <p:boldItalic r:id="rId21"/>
     </p:embeddedFont>
   </p:embeddedFontLst>
   <p:defaultTextStyle>
@@ -432,13 +431,13 @@
         <pc:chgData name="Thangavel, Prabhu" userId="3e579001-273a-496a-ad86-41a8219b525d" providerId="ADAL" clId="{3349B85E-7797-4F6A-9563-2D54322A2C68}" dt="2020-08-05T08:18:15.506" v="1235"/>
         <pc:sldMkLst>
           <pc:docMk/>
-          <pc:sldMk cId="0" sldId="265"/>
+          <pc:sldMk cId="2784066925" sldId="265"/>
         </pc:sldMkLst>
         <pc:spChg chg="mod">
           <ac:chgData name="Thangavel, Prabhu" userId="3e579001-273a-496a-ad86-41a8219b525d" providerId="ADAL" clId="{3349B85E-7797-4F6A-9563-2D54322A2C68}" dt="2020-08-05T07:29:29.191" v="73" actId="1076"/>
           <ac:spMkLst>
             <pc:docMk/>
-            <pc:sldMk cId="0" sldId="265"/>
+            <pc:sldMk cId="2784066925" sldId="265"/>
             <ac:spMk id="204" creationId="{00000000-0000-0000-0000-000000000000}"/>
           </ac:spMkLst>
         </pc:spChg>
@@ -446,7 +445,7 @@
           <ac:chgData name="Thangavel, Prabhu" userId="3e579001-273a-496a-ad86-41a8219b525d" providerId="ADAL" clId="{3349B85E-7797-4F6A-9563-2D54322A2C68}" dt="2020-08-05T07:29:36.654" v="74" actId="14100"/>
           <ac:spMkLst>
             <pc:docMk/>
-            <pc:sldMk cId="0" sldId="265"/>
+            <pc:sldMk cId="2784066925" sldId="265"/>
             <ac:spMk id="205" creationId="{00000000-0000-0000-0000-000000000000}"/>
           </ac:spMkLst>
         </pc:spChg>
@@ -779,13 +778,13 @@
         <pc:chgData name="Thangavel, Prabhu" userId="3e579001-273a-496a-ad86-41a8219b525d" providerId="ADAL" clId="{720D86FD-0B44-4496-934B-FD7A939378F6}" dt="2020-08-05T05:27:33.881" v="468" actId="20577"/>
         <pc:sldMkLst>
           <pc:docMk/>
-          <pc:sldMk cId="0" sldId="265"/>
+          <pc:sldMk cId="2784066925" sldId="265"/>
         </pc:sldMkLst>
         <pc:spChg chg="mod">
           <ac:chgData name="Thangavel, Prabhu" userId="3e579001-273a-496a-ad86-41a8219b525d" providerId="ADAL" clId="{720D86FD-0B44-4496-934B-FD7A939378F6}" dt="2020-08-05T05:24:58.673" v="299" actId="1076"/>
           <ac:spMkLst>
             <pc:docMk/>
-            <pc:sldMk cId="0" sldId="265"/>
+            <pc:sldMk cId="2784066925" sldId="265"/>
             <ac:spMk id="204" creationId="{00000000-0000-0000-0000-000000000000}"/>
           </ac:spMkLst>
         </pc:spChg>
@@ -793,7 +792,7 @@
           <ac:chgData name="Thangavel, Prabhu" userId="3e579001-273a-496a-ad86-41a8219b525d" providerId="ADAL" clId="{720D86FD-0B44-4496-934B-FD7A939378F6}" dt="2020-08-05T05:27:33.881" v="468" actId="20577"/>
           <ac:spMkLst>
             <pc:docMk/>
-            <pc:sldMk cId="0" sldId="265"/>
+            <pc:sldMk cId="2784066925" sldId="265"/>
             <ac:spMk id="205" creationId="{00000000-0000-0000-0000-000000000000}"/>
           </ac:spMkLst>
         </pc:spChg>
@@ -801,7 +800,7 @@
           <ac:chgData name="Thangavel, Prabhu" userId="3e579001-273a-496a-ad86-41a8219b525d" providerId="ADAL" clId="{720D86FD-0B44-4496-934B-FD7A939378F6}" dt="2020-08-05T05:22:34.305" v="57" actId="1076"/>
           <ac:picMkLst>
             <pc:docMk/>
-            <pc:sldMk cId="0" sldId="265"/>
+            <pc:sldMk cId="2784066925" sldId="265"/>
             <ac:picMk id="207" creationId="{00000000-0000-0000-0000-000000000000}"/>
           </ac:picMkLst>
         </pc:picChg>
@@ -1101,7 +1100,7 @@
         <pc:chgData name="Thangavel, Prabhu" userId="3e579001-273a-496a-ad86-41a8219b525d" providerId="ADAL" clId="{5A34EC2A-6BB9-47D1-8F6E-1DCE6AF001E9}" dt="2020-08-05T14:03:06.495" v="132" actId="2696"/>
         <pc:sldMkLst>
           <pc:docMk/>
-          <pc:sldMk cId="0" sldId="265"/>
+          <pc:sldMk cId="2784066925" sldId="265"/>
         </pc:sldMkLst>
       </pc:sldChg>
       <pc:sldChg chg="del">
@@ -1602,13 +1601,13 @@
         <pc:chgData name="Thangavel, Prabhu" userId="3e579001-273a-496a-ad86-41a8219b525d" providerId="ADAL" clId="{79F7C517-5B57-472F-A9B6-8BC5BBAF6704}" dt="2020-08-05T10:05:06.001" v="262" actId="20577"/>
         <pc:sldMkLst>
           <pc:docMk/>
-          <pc:sldMk cId="0" sldId="265"/>
+          <pc:sldMk cId="2784066925" sldId="265"/>
         </pc:sldMkLst>
         <pc:spChg chg="mod">
           <ac:chgData name="Thangavel, Prabhu" userId="3e579001-273a-496a-ad86-41a8219b525d" providerId="ADAL" clId="{79F7C517-5B57-472F-A9B6-8BC5BBAF6704}" dt="2020-08-05T10:05:06.001" v="262" actId="20577"/>
           <ac:spMkLst>
             <pc:docMk/>
-            <pc:sldMk cId="0" sldId="265"/>
+            <pc:sldMk cId="2784066925" sldId="265"/>
             <ac:spMk id="204" creationId="{00000000-0000-0000-0000-000000000000}"/>
           </ac:spMkLst>
         </pc:spChg>
@@ -2557,7 +2556,7 @@
     </p:spTree>
     <p:extLst>
       <p:ext uri="{BB962C8B-B14F-4D97-AF65-F5344CB8AC3E}">
-        <p14:creationId xmlns:p14="http://schemas.microsoft.com/office/powerpoint/2010/main" val="977138861"/>
+        <p14:creationId xmlns:p14="http://schemas.microsoft.com/office/powerpoint/2010/main" val="1114023531"/>
       </p:ext>
     </p:extLst>
   </p:cSld>
@@ -2666,7 +2665,7 @@
     </p:spTree>
     <p:extLst>
       <p:ext uri="{BB962C8B-B14F-4D97-AF65-F5344CB8AC3E}">
-        <p14:creationId xmlns:p14="http://schemas.microsoft.com/office/powerpoint/2010/main" val="1114023531"/>
+        <p14:creationId xmlns:p14="http://schemas.microsoft.com/office/powerpoint/2010/main" val="2227265282"/>
       </p:ext>
     </p:extLst>
   </p:cSld>
@@ -2775,7 +2774,7 @@
     </p:spTree>
     <p:extLst>
       <p:ext uri="{BB962C8B-B14F-4D97-AF65-F5344CB8AC3E}">
-        <p14:creationId xmlns:p14="http://schemas.microsoft.com/office/powerpoint/2010/main" val="2227265282"/>
+        <p14:creationId xmlns:p14="http://schemas.microsoft.com/office/powerpoint/2010/main" val="3007232651"/>
       </p:ext>
     </p:extLst>
   </p:cSld>
@@ -2884,7 +2883,7 @@
     </p:spTree>
     <p:extLst>
       <p:ext uri="{BB962C8B-B14F-4D97-AF65-F5344CB8AC3E}">
-        <p14:creationId xmlns:p14="http://schemas.microsoft.com/office/powerpoint/2010/main" val="3007232651"/>
+        <p14:creationId xmlns:p14="http://schemas.microsoft.com/office/powerpoint/2010/main" val="3672888631"/>
       </p:ext>
     </p:extLst>
   </p:cSld>
@@ -2895,115 +2894,6 @@
 </file>
 
 <file path=ppt/notesSlides/notesSlide8.xml><?xml version="1.0" encoding="utf-8"?>
-<p:notes xmlns:a="http://schemas.openxmlformats.org/drawingml/2006/main" xmlns:r="http://schemas.openxmlformats.org/officeDocument/2006/relationships" xmlns:p="http://schemas.openxmlformats.org/presentationml/2006/main" showMasterSp="0" showMasterPhAnim="0">
-  <p:cSld>
-    <p:spTree>
-      <p:nvGrpSpPr>
-        <p:cNvPr id="1" name="Shape 217"/>
-        <p:cNvGrpSpPr/>
-        <p:nvPr/>
-      </p:nvGrpSpPr>
-      <p:grpSpPr>
-        <a:xfrm>
-          <a:off x="0" y="0"/>
-          <a:ext cx="0" cy="0"/>
-          <a:chOff x="0" y="0"/>
-          <a:chExt cx="0" cy="0"/>
-        </a:xfrm>
-      </p:grpSpPr>
-      <p:sp>
-        <p:nvSpPr>
-          <p:cNvPr id="218" name="Google Shape;218;g35f391192_073:notes"/>
-          <p:cNvSpPr>
-            <a:spLocks noGrp="1" noRot="1" noChangeAspect="1"/>
-          </p:cNvSpPr>
-          <p:nvPr>
-            <p:ph type="sldImg" idx="2"/>
-          </p:nvPr>
-        </p:nvSpPr>
-        <p:spPr>
-          <a:xfrm>
-            <a:off x="381000" y="685800"/>
-            <a:ext cx="6096000" cy="3429000"/>
-          </a:xfrm>
-          <a:custGeom>
-            <a:avLst/>
-            <a:gdLst/>
-            <a:ahLst/>
-            <a:cxnLst/>
-            <a:rect l="l" t="t" r="r" b="b"/>
-            <a:pathLst>
-              <a:path w="120000" h="120000" extrusionOk="0">
-                <a:moveTo>
-                  <a:pt x="0" y="0"/>
-                </a:moveTo>
-                <a:lnTo>
-                  <a:pt x="120000" y="0"/>
-                </a:lnTo>
-                <a:lnTo>
-                  <a:pt x="120000" y="120000"/>
-                </a:lnTo>
-                <a:lnTo>
-                  <a:pt x="0" y="120000"/>
-                </a:lnTo>
-                <a:close/>
-              </a:path>
-            </a:pathLst>
-          </a:custGeom>
-        </p:spPr>
-      </p:sp>
-      <p:sp>
-        <p:nvSpPr>
-          <p:cNvPr id="219" name="Google Shape;219;g35f391192_073:notes"/>
-          <p:cNvSpPr txBox="1">
-            <a:spLocks noGrp="1"/>
-          </p:cNvSpPr>
-          <p:nvPr>
-            <p:ph type="body" idx="1"/>
-          </p:nvPr>
-        </p:nvSpPr>
-        <p:spPr>
-          <a:xfrm>
-            <a:off x="685800" y="4343400"/>
-            <a:ext cx="5486400" cy="4114800"/>
-          </a:xfrm>
-          <a:prstGeom prst="rect">
-            <a:avLst/>
-          </a:prstGeom>
-        </p:spPr>
-        <p:txBody>
-          <a:bodyPr spcFirstLastPara="1" wrap="square" lIns="91425" tIns="91425" rIns="91425" bIns="91425" anchor="t" anchorCtr="0">
-            <a:noAutofit/>
-          </a:bodyPr>
-          <a:lstStyle/>
-          <a:p>
-            <a:pPr marL="0" lvl="0" indent="0" algn="l" rtl="0">
-              <a:spcBef>
-                <a:spcPts val="0"/>
-              </a:spcBef>
-              <a:spcAft>
-                <a:spcPts val="0"/>
-              </a:spcAft>
-              <a:buNone/>
-            </a:pPr>
-            <a:endParaRPr/>
-          </a:p>
-        </p:txBody>
-      </p:sp>
-    </p:spTree>
-    <p:extLst>
-      <p:ext uri="{BB962C8B-B14F-4D97-AF65-F5344CB8AC3E}">
-        <p14:creationId xmlns:p14="http://schemas.microsoft.com/office/powerpoint/2010/main" val="3672888631"/>
-      </p:ext>
-    </p:extLst>
-  </p:cSld>
-  <p:clrMapOvr>
-    <a:masterClrMapping/>
-  </p:clrMapOvr>
-</p:notes>
-</file>
-
-<file path=ppt/notesSlides/notesSlide9.xml><?xml version="1.0" encoding="utf-8"?>
 <p:notes xmlns:a="http://schemas.openxmlformats.org/drawingml/2006/main" xmlns:r="http://schemas.openxmlformats.org/officeDocument/2006/relationships" xmlns:p="http://schemas.openxmlformats.org/presentationml/2006/main" showMasterSp="0" showMasterPhAnim="0">
   <p:cSld>
     <p:spTree>
@@ -5709,16 +5599,6 @@
             </a:pPr>
             <a:r>
               <a:rPr lang="en-IN" dirty="0"/>
-              <a:t>Data</a:t>
-            </a:r>
-          </a:p>
-          <a:p>
-            <a:pPr marL="342900" indent="-342900">
-              <a:buFont typeface="Arial" panose="020B0604020202020204" pitchFamily="34" charset="0"/>
-              <a:buChar char="•"/>
-            </a:pPr>
-            <a:r>
-              <a:rPr lang="en-IN" dirty="0"/>
               <a:t>Provisioner </a:t>
             </a:r>
           </a:p>
@@ -10231,55 +10111,6 @@
                                           <p:spTgt spid="146">
                                             <p:txEl>
                                               <p:pRg st="5" end="5"/>
-                                            </p:txEl>
-                                          </p:spTgt>
-                                        </p:tgtEl>
-                                        <p:attrNameLst>
-                                          <p:attrName>style.visibility</p:attrName>
-                                        </p:attrNameLst>
-                                      </p:cBhvr>
-                                      <p:to>
-                                        <p:strVal val="visible"/>
-                                      </p:to>
-                                    </p:set>
-                                  </p:childTnLst>
-                                </p:cTn>
-                              </p:par>
-                            </p:childTnLst>
-                          </p:cTn>
-                        </p:par>
-                      </p:childTnLst>
-                    </p:cTn>
-                  </p:par>
-                  <p:par>
-                    <p:cTn id="27" fill="hold">
-                      <p:stCondLst>
-                        <p:cond delay="indefinite"/>
-                      </p:stCondLst>
-                      <p:childTnLst>
-                        <p:par>
-                          <p:cTn id="28" fill="hold">
-                            <p:stCondLst>
-                              <p:cond delay="0"/>
-                            </p:stCondLst>
-                            <p:childTnLst>
-                              <p:par>
-                                <p:cTn id="29" presetID="1" presetClass="entr" presetSubtype="0" fill="hold" nodeType="clickEffect">
-                                  <p:stCondLst>
-                                    <p:cond delay="0"/>
-                                  </p:stCondLst>
-                                  <p:childTnLst>
-                                    <p:set>
-                                      <p:cBhvr>
-                                        <p:cTn id="30" dur="1" fill="hold">
-                                          <p:stCondLst>
-                                            <p:cond delay="0"/>
-                                          </p:stCondLst>
-                                        </p:cTn>
-                                        <p:tgtEl>
-                                          <p:spTgt spid="146">
-                                            <p:txEl>
-                                              <p:pRg st="6" end="6"/>
                                             </p:txEl>
                                           </p:spTgt>
                                         </p:tgtEl>
@@ -14291,7 +14122,7 @@
             </a:pPr>
             <a:r>
               <a:rPr lang="en-US" dirty="0"/>
-              <a:t>Data</a:t>
+              <a:t>Provisioner</a:t>
             </a:r>
             <a:endParaRPr dirty="0"/>
           </a:p>
@@ -14463,15 +14294,18 @@
               </a:spcAft>
               <a:buNone/>
             </a:pPr>
-            <a:endParaRPr lang="en" sz="1800" dirty="0">
-              <a:solidFill>
-                <a:schemeClr val="lt1"/>
-              </a:solidFill>
-              <a:latin typeface="Fira Sans Light"/>
-              <a:ea typeface="Fira Sans Light"/>
-              <a:cs typeface="Fira Sans Light"/>
-              <a:sym typeface="Fira Sans Light"/>
-            </a:endParaRPr>
+            <a:r>
+              <a:rPr lang="en" sz="1800" dirty="0">
+                <a:solidFill>
+                  <a:schemeClr val="lt1"/>
+                </a:solidFill>
+                <a:latin typeface="Fira Sans Light"/>
+                <a:ea typeface="Fira Sans Light"/>
+                <a:cs typeface="Fira Sans Light"/>
+                <a:sym typeface="Fira Sans Light"/>
+              </a:rPr>
+              <a:t>Using Provisioner you can do changes in instances.</a:t>
+            </a:r>
           </a:p>
           <a:p>
             <a:pPr marL="0" lvl="0" indent="0" rtl="0">
@@ -14503,15 +14337,18 @@
               </a:spcAft>
               <a:buNone/>
             </a:pPr>
-            <a:endParaRPr lang="en" sz="1800" dirty="0">
-              <a:solidFill>
-                <a:schemeClr val="lt1"/>
-              </a:solidFill>
-              <a:latin typeface="Fira Sans Light"/>
-              <a:ea typeface="Fira Sans Light"/>
-              <a:cs typeface="Fira Sans Light"/>
-              <a:sym typeface="Fira Sans Light"/>
-            </a:endParaRPr>
+            <a:r>
+              <a:rPr lang="en" sz="1800" u="sng" dirty="0">
+                <a:solidFill>
+                  <a:schemeClr val="lt1"/>
+                </a:solidFill>
+                <a:latin typeface="Fira Sans Light"/>
+                <a:ea typeface="Fira Sans Light"/>
+                <a:cs typeface="Fira Sans Light"/>
+                <a:sym typeface="Fira Sans Light"/>
+              </a:rPr>
+              <a:t>Common uses cases are :</a:t>
+            </a:r>
           </a:p>
           <a:p>
             <a:pPr marL="0" lvl="0" indent="0" rtl="0">
@@ -14533,58 +14370,17 @@
                 <a:cs typeface="Fira Sans Light"/>
                 <a:sym typeface="Fira Sans Light"/>
               </a:rPr>
-              <a:t>Information's fetched from providers are data here. </a:t>
+              <a:t>Copying some files to remote servers.</a:t>
             </a:r>
           </a:p>
           <a:p>
-            <a:pPr marL="0" lvl="0" indent="0" rtl="0">
+            <a:pPr lvl="0" rtl="0">
               <a:spcBef>
                 <a:spcPts val="0"/>
               </a:spcBef>
               <a:spcAft>
                 <a:spcPts val="0"/>
               </a:spcAft>
-              <a:buNone/>
-            </a:pPr>
-            <a:endParaRPr lang="en" sz="1800" dirty="0">
-              <a:solidFill>
-                <a:schemeClr val="lt1"/>
-              </a:solidFill>
-              <a:latin typeface="Fira Sans Light"/>
-              <a:ea typeface="Fira Sans Light"/>
-              <a:cs typeface="Fira Sans Light"/>
-              <a:sym typeface="Fira Sans Light"/>
-            </a:endParaRPr>
-          </a:p>
-          <a:p>
-            <a:pPr marL="0" lvl="0" indent="0" rtl="0">
-              <a:spcBef>
-                <a:spcPts val="0"/>
-              </a:spcBef>
-              <a:spcAft>
-                <a:spcPts val="0"/>
-              </a:spcAft>
-              <a:buNone/>
-            </a:pPr>
-            <a:endParaRPr lang="en" sz="1800" dirty="0">
-              <a:solidFill>
-                <a:schemeClr val="lt1"/>
-              </a:solidFill>
-              <a:latin typeface="Fira Sans Light"/>
-              <a:ea typeface="Fira Sans Light"/>
-              <a:cs typeface="Fira Sans Light"/>
-              <a:sym typeface="Fira Sans Light"/>
-            </a:endParaRPr>
-          </a:p>
-          <a:p>
-            <a:pPr marL="0" lvl="0" indent="0" rtl="0">
-              <a:spcBef>
-                <a:spcPts val="0"/>
-              </a:spcBef>
-              <a:spcAft>
-                <a:spcPts val="0"/>
-              </a:spcAft>
-              <a:buNone/>
             </a:pPr>
             <a:r>
               <a:rPr lang="en" sz="1800" dirty="0">
@@ -14596,18 +14392,17 @@
                 <a:cs typeface="Fira Sans Light"/>
                 <a:sym typeface="Fira Sans Light"/>
               </a:rPr>
-              <a:t>Example : </a:t>
+              <a:t>Executing script on newly created instances.</a:t>
             </a:r>
           </a:p>
           <a:p>
-            <a:pPr marL="0" lvl="0" indent="0" rtl="0">
+            <a:pPr lvl="0" rtl="0">
               <a:spcBef>
                 <a:spcPts val="0"/>
               </a:spcBef>
               <a:spcAft>
                 <a:spcPts val="0"/>
               </a:spcAft>
-              <a:buNone/>
             </a:pPr>
             <a:r>
               <a:rPr lang="en" sz="1800" dirty="0">
@@ -14619,58 +14414,17 @@
                 <a:cs typeface="Fira Sans Light"/>
                 <a:sym typeface="Fira Sans Light"/>
               </a:rPr>
-              <a:t>If you want to fetch images ID information available for your AWS account. [AMI ID are data here]</a:t>
+              <a:t>Inject bootstrapping to instances.</a:t>
             </a:r>
           </a:p>
           <a:p>
-            <a:pPr marL="0" lvl="0" indent="0" rtl="0">
+            <a:pPr lvl="0" rtl="0">
               <a:spcBef>
                 <a:spcPts val="0"/>
               </a:spcBef>
               <a:spcAft>
                 <a:spcPts val="0"/>
               </a:spcAft>
-              <a:buNone/>
-            </a:pPr>
-            <a:endParaRPr lang="en" sz="1800" dirty="0">
-              <a:solidFill>
-                <a:schemeClr val="lt1"/>
-              </a:solidFill>
-              <a:latin typeface="Fira Sans Light"/>
-              <a:ea typeface="Fira Sans Light"/>
-              <a:cs typeface="Fira Sans Light"/>
-              <a:sym typeface="Fira Sans Light"/>
-            </a:endParaRPr>
-          </a:p>
-          <a:p>
-            <a:pPr marL="0" lvl="0" indent="0" rtl="0">
-              <a:spcBef>
-                <a:spcPts val="0"/>
-              </a:spcBef>
-              <a:spcAft>
-                <a:spcPts val="0"/>
-              </a:spcAft>
-              <a:buNone/>
-            </a:pPr>
-            <a:endParaRPr lang="en" sz="1800" dirty="0">
-              <a:solidFill>
-                <a:schemeClr val="lt1"/>
-              </a:solidFill>
-              <a:latin typeface="Fira Sans Light"/>
-              <a:ea typeface="Fira Sans Light"/>
-              <a:cs typeface="Fira Sans Light"/>
-              <a:sym typeface="Fira Sans Light"/>
-            </a:endParaRPr>
-          </a:p>
-          <a:p>
-            <a:pPr marL="0" lvl="0" indent="0" rtl="0">
-              <a:spcBef>
-                <a:spcPts val="0"/>
-              </a:spcBef>
-              <a:spcAft>
-                <a:spcPts val="0"/>
-              </a:spcAft>
-              <a:buNone/>
             </a:pPr>
             <a:r>
               <a:rPr lang="en" sz="1800" dirty="0">
@@ -14682,18 +14436,17 @@
                 <a:cs typeface="Fira Sans Light"/>
                 <a:sym typeface="Fira Sans Light"/>
               </a:rPr>
-              <a:t>Fetched data can be used elsewhere in Terraform scripts when required.</a:t>
+              <a:t>Clean up some thing before machine is destroyed </a:t>
             </a:r>
           </a:p>
           <a:p>
-            <a:pPr marL="0" lvl="0" indent="0" rtl="0">
+            <a:pPr lvl="0" rtl="0">
               <a:spcBef>
                 <a:spcPts val="0"/>
               </a:spcBef>
               <a:spcAft>
                 <a:spcPts val="0"/>
               </a:spcAft>
-              <a:buNone/>
             </a:pPr>
             <a:r>
               <a:rPr lang="en" sz="1800" dirty="0">
@@ -14818,7 +14571,7 @@
           <p:cNvPr id="11" name="Google Shape;475;p38">
             <a:extLst>
               <a:ext uri="{FF2B5EF4-FFF2-40B4-BE49-F238E27FC236}">
-                <a16:creationId xmlns:a16="http://schemas.microsoft.com/office/drawing/2014/main" id="{A949822C-D223-4A1B-B002-FB2AE66A11AF}"/>
+                <a16:creationId xmlns:a16="http://schemas.microsoft.com/office/drawing/2014/main" id="{FFE0F872-D9F0-4C40-8135-66CA2036A794}"/>
               </a:ext>
             </a:extLst>
           </p:cNvPr>
@@ -14827,7 +14580,7 @@
         </p:nvGrpSpPr>
         <p:grpSpPr>
           <a:xfrm>
-            <a:off x="182554" y="163847"/>
+            <a:off x="182553" y="171531"/>
             <a:ext cx="347107" cy="420111"/>
             <a:chOff x="584925" y="922575"/>
             <a:chExt cx="415200" cy="502525"/>
@@ -14838,7 +14591,7 @@
             <p:cNvPr id="12" name="Google Shape;476;p38">
               <a:extLst>
                 <a:ext uri="{FF2B5EF4-FFF2-40B4-BE49-F238E27FC236}">
-                  <a16:creationId xmlns:a16="http://schemas.microsoft.com/office/drawing/2014/main" id="{45B55FA6-497E-408C-B698-8DF4F469DFD4}"/>
+                  <a16:creationId xmlns:a16="http://schemas.microsoft.com/office/drawing/2014/main" id="{54D96B1F-AABB-485C-B5D3-8CAFDE01FCBC}"/>
                 </a:ext>
               </a:extLst>
             </p:cNvPr>
@@ -15011,7 +14764,7 @@
             <p:cNvPr id="13" name="Google Shape;477;p38">
               <a:extLst>
                 <a:ext uri="{FF2B5EF4-FFF2-40B4-BE49-F238E27FC236}">
-                  <a16:creationId xmlns:a16="http://schemas.microsoft.com/office/drawing/2014/main" id="{AF812DBC-0556-4CE7-9C4A-8A593D65D669}"/>
+                  <a16:creationId xmlns:a16="http://schemas.microsoft.com/office/drawing/2014/main" id="{30C00FB7-83EC-4431-B532-4D8B147CC8EB}"/>
                 </a:ext>
               </a:extLst>
             </p:cNvPr>
@@ -15395,7 +15148,7 @@
             <p:cNvPr id="14" name="Google Shape;478;p38">
               <a:extLst>
                 <a:ext uri="{FF2B5EF4-FFF2-40B4-BE49-F238E27FC236}">
-                  <a16:creationId xmlns:a16="http://schemas.microsoft.com/office/drawing/2014/main" id="{AABE6A2D-2A21-4554-944B-58A082261709}"/>
+                  <a16:creationId xmlns:a16="http://schemas.microsoft.com/office/drawing/2014/main" id="{1F5FECDE-C1C5-47E9-9F2B-047C7AECE6BD}"/>
                 </a:ext>
               </a:extLst>
             </p:cNvPr>
@@ -15489,7 +15242,7 @@
     </p:spTree>
     <p:extLst>
       <p:ext uri="{BB962C8B-B14F-4D97-AF65-F5344CB8AC3E}">
-        <p14:creationId xmlns:p14="http://schemas.microsoft.com/office/powerpoint/2010/main" val="2246341509"/>
+        <p14:creationId xmlns:p14="http://schemas.microsoft.com/office/powerpoint/2010/main" val="4253365143"/>
       </p:ext>
     </p:extLst>
   </p:cSld>
@@ -15643,7 +15396,7 @@
             </a:pPr>
             <a:r>
               <a:rPr lang="en-US" dirty="0"/>
-              <a:t>Provisioner</a:t>
+              <a:t>Terraform State</a:t>
             </a:r>
             <a:endParaRPr dirty="0"/>
           </a:p>
@@ -15699,8 +15452,8 @@
         </p:nvSpPr>
         <p:spPr>
           <a:xfrm>
-            <a:off x="268031" y="965619"/>
-            <a:ext cx="7289699" cy="3425555"/>
+            <a:off x="115262" y="890761"/>
+            <a:ext cx="8168126" cy="4157650"/>
           </a:xfrm>
           <a:prstGeom prst="rect">
             <a:avLst/>
@@ -15825,7 +15578,19 @@
                 <a:cs typeface="Fira Sans Light"/>
                 <a:sym typeface="Fira Sans Light"/>
               </a:rPr>
-              <a:t>Using Provisioner you can do changes in instances.</a:t>
+              <a:t>Terraform state stores status of your managed infrastructure &amp; con</a:t>
+            </a:r>
+            <a:r>
+              <a:rPr lang="en-IN" sz="1800" dirty="0">
+                <a:solidFill>
+                  <a:schemeClr val="lt1"/>
+                </a:solidFill>
+                <a:latin typeface="Fira Sans Light"/>
+                <a:ea typeface="Fira Sans Light"/>
+                <a:cs typeface="Fira Sans Light"/>
+                <a:sym typeface="Fira Sans Light"/>
+              </a:rPr>
+              <a:t>figuration.</a:t>
             </a:r>
           </a:p>
           <a:p>
@@ -15859,29 +15624,6 @@
               <a:buNone/>
             </a:pPr>
             <a:r>
-              <a:rPr lang="en" sz="1800" u="sng" dirty="0">
-                <a:solidFill>
-                  <a:schemeClr val="lt1"/>
-                </a:solidFill>
-                <a:latin typeface="Fira Sans Light"/>
-                <a:ea typeface="Fira Sans Light"/>
-                <a:cs typeface="Fira Sans Light"/>
-                <a:sym typeface="Fira Sans Light"/>
-              </a:rPr>
-              <a:t>Common uses cases are :</a:t>
-            </a:r>
-          </a:p>
-          <a:p>
-            <a:pPr marL="0" lvl="0" indent="0" rtl="0">
-              <a:spcBef>
-                <a:spcPts val="0"/>
-              </a:spcBef>
-              <a:spcAft>
-                <a:spcPts val="0"/>
-              </a:spcAft>
-              <a:buNone/>
-            </a:pPr>
-            <a:r>
               <a:rPr lang="en" sz="1800" dirty="0">
                 <a:solidFill>
                   <a:schemeClr val="lt1"/>
@@ -15891,20 +15633,10 @@
                 <a:cs typeface="Fira Sans Light"/>
                 <a:sym typeface="Fira Sans Light"/>
               </a:rPr>
-              <a:t>Copying some files to remote servers.</a:t>
+              <a:t>This state is used by Terraform to </a:t>
             </a:r>
-          </a:p>
-          <a:p>
-            <a:pPr lvl="0" rtl="0">
-              <a:spcBef>
-                <a:spcPts val="0"/>
-              </a:spcBef>
-              <a:spcAft>
-                <a:spcPts val="0"/>
-              </a:spcAft>
-            </a:pPr>
             <a:r>
-              <a:rPr lang="en" sz="1800" dirty="0">
+              <a:rPr lang="en-IN" sz="1800" dirty="0">
                 <a:solidFill>
                   <a:schemeClr val="lt1"/>
                 </a:solidFill>
@@ -15913,20 +15645,41 @@
                 <a:cs typeface="Fira Sans Light"/>
                 <a:sym typeface="Fira Sans Light"/>
               </a:rPr>
-              <a:t>Executing script on newly created instances.</a:t>
+              <a:t>map real world resources to your configuration, keep track of meta data and to improve performance of large scale infrastructure.</a:t>
             </a:r>
           </a:p>
           <a:p>
-            <a:pPr lvl="0" rtl="0">
+            <a:pPr marL="0" lvl="0" indent="0" rtl="0">
               <a:spcBef>
                 <a:spcPts val="0"/>
               </a:spcBef>
               <a:spcAft>
                 <a:spcPts val="0"/>
               </a:spcAft>
+              <a:buNone/>
+            </a:pPr>
+            <a:endParaRPr lang="en-IN" sz="1800" dirty="0">
+              <a:solidFill>
+                <a:schemeClr val="lt1"/>
+              </a:solidFill>
+              <a:latin typeface="Fira Sans Light"/>
+              <a:ea typeface="Fira Sans Light"/>
+              <a:cs typeface="Fira Sans Light"/>
+              <a:sym typeface="Fira Sans Light"/>
+            </a:endParaRPr>
+          </a:p>
+          <a:p>
+            <a:pPr marL="0" lvl="0" indent="0" rtl="0">
+              <a:spcBef>
+                <a:spcPts val="0"/>
+              </a:spcBef>
+              <a:spcAft>
+                <a:spcPts val="0"/>
+              </a:spcAft>
+              <a:buNone/>
             </a:pPr>
             <a:r>
-              <a:rPr lang="en" sz="1800" dirty="0">
+              <a:rPr lang="en-IN" sz="1800" dirty="0">
                 <a:solidFill>
                   <a:schemeClr val="lt1"/>
                 </a:solidFill>
@@ -15935,52 +15688,17 @@
                 <a:cs typeface="Fira Sans Light"/>
                 <a:sym typeface="Fira Sans Light"/>
               </a:rPr>
-              <a:t>Inject bootstrapping to instances.</a:t>
+              <a:t>Terraform state is generally stored in a file locally named as “terraform.tfstate”  but it can be also stored elsewhere which can work better in team environment..</a:t>
             </a:r>
-          </a:p>
-          <a:p>
-            <a:pPr lvl="0" rtl="0">
-              <a:spcBef>
-                <a:spcPts val="0"/>
-              </a:spcBef>
-              <a:spcAft>
-                <a:spcPts val="0"/>
-              </a:spcAft>
-            </a:pPr>
-            <a:r>
-              <a:rPr lang="en" sz="1800" dirty="0">
-                <a:solidFill>
-                  <a:schemeClr val="lt1"/>
-                </a:solidFill>
-                <a:latin typeface="Fira Sans Light"/>
-                <a:ea typeface="Fira Sans Light"/>
-                <a:cs typeface="Fira Sans Light"/>
-                <a:sym typeface="Fira Sans Light"/>
-              </a:rPr>
-              <a:t>Clean up some thing before machine is destroyed </a:t>
-            </a:r>
-          </a:p>
-          <a:p>
-            <a:pPr lvl="0" rtl="0">
-              <a:spcBef>
-                <a:spcPts val="0"/>
-              </a:spcBef>
-              <a:spcAft>
-                <a:spcPts val="0"/>
-              </a:spcAft>
-            </a:pPr>
-            <a:r>
-              <a:rPr lang="en" sz="1800" dirty="0">
-                <a:solidFill>
-                  <a:schemeClr val="lt1"/>
-                </a:solidFill>
-                <a:latin typeface="Fira Sans Light"/>
-                <a:ea typeface="Fira Sans Light"/>
-                <a:cs typeface="Fira Sans Light"/>
-                <a:sym typeface="Fira Sans Light"/>
-              </a:rPr>
-              <a:t>  </a:t>
-            </a:r>
+            <a:endParaRPr lang="en" sz="1800" dirty="0">
+              <a:solidFill>
+                <a:schemeClr val="lt1"/>
+              </a:solidFill>
+              <a:latin typeface="Fira Sans Light"/>
+              <a:ea typeface="Fira Sans Light"/>
+              <a:cs typeface="Fira Sans Light"/>
+              <a:sym typeface="Fira Sans Light"/>
+            </a:endParaRPr>
           </a:p>
           <a:p>
             <a:pPr marL="0" lvl="0" indent="0" rtl="0">
@@ -16092,7 +15810,7 @@
           <p:cNvPr id="11" name="Google Shape;475;p38">
             <a:extLst>
               <a:ext uri="{FF2B5EF4-FFF2-40B4-BE49-F238E27FC236}">
-                <a16:creationId xmlns:a16="http://schemas.microsoft.com/office/drawing/2014/main" id="{FFE0F872-D9F0-4C40-8135-66CA2036A794}"/>
+                <a16:creationId xmlns:a16="http://schemas.microsoft.com/office/drawing/2014/main" id="{58F6EA10-D078-4085-9DA7-346ED00C273F}"/>
               </a:ext>
             </a:extLst>
           </p:cNvPr>
@@ -16101,7 +15819,7 @@
         </p:nvGrpSpPr>
         <p:grpSpPr>
           <a:xfrm>
-            <a:off x="182553" y="171531"/>
+            <a:off x="205606" y="126418"/>
             <a:ext cx="347107" cy="420111"/>
             <a:chOff x="584925" y="922575"/>
             <a:chExt cx="415200" cy="502525"/>
@@ -16112,7 +15830,7 @@
             <p:cNvPr id="12" name="Google Shape;476;p38">
               <a:extLst>
                 <a:ext uri="{FF2B5EF4-FFF2-40B4-BE49-F238E27FC236}">
-                  <a16:creationId xmlns:a16="http://schemas.microsoft.com/office/drawing/2014/main" id="{54D96B1F-AABB-485C-B5D3-8CAFDE01FCBC}"/>
+                  <a16:creationId xmlns:a16="http://schemas.microsoft.com/office/drawing/2014/main" id="{C7C1FF0C-A1F4-41CF-9D08-8A7BC7FB4184}"/>
                 </a:ext>
               </a:extLst>
             </p:cNvPr>
@@ -16285,7 +16003,7 @@
             <p:cNvPr id="13" name="Google Shape;477;p38">
               <a:extLst>
                 <a:ext uri="{FF2B5EF4-FFF2-40B4-BE49-F238E27FC236}">
-                  <a16:creationId xmlns:a16="http://schemas.microsoft.com/office/drawing/2014/main" id="{30C00FB7-83EC-4431-B532-4D8B147CC8EB}"/>
+                  <a16:creationId xmlns:a16="http://schemas.microsoft.com/office/drawing/2014/main" id="{FA70DB5E-3F31-44E2-81C9-2CE65A0D64ED}"/>
                 </a:ext>
               </a:extLst>
             </p:cNvPr>
@@ -16669,7 +16387,7 @@
             <p:cNvPr id="14" name="Google Shape;478;p38">
               <a:extLst>
                 <a:ext uri="{FF2B5EF4-FFF2-40B4-BE49-F238E27FC236}">
-                  <a16:creationId xmlns:a16="http://schemas.microsoft.com/office/drawing/2014/main" id="{1F5FECDE-C1C5-47E9-9F2B-047C7AECE6BD}"/>
+                  <a16:creationId xmlns:a16="http://schemas.microsoft.com/office/drawing/2014/main" id="{03F009AC-9BFD-46F4-AB27-1D3947269860}"/>
                 </a:ext>
               </a:extLst>
             </p:cNvPr>
@@ -16763,7 +16481,7 @@
     </p:spTree>
     <p:extLst>
       <p:ext uri="{BB962C8B-B14F-4D97-AF65-F5344CB8AC3E}">
-        <p14:creationId xmlns:p14="http://schemas.microsoft.com/office/powerpoint/2010/main" val="4253365143"/>
+        <p14:creationId xmlns:p14="http://schemas.microsoft.com/office/powerpoint/2010/main" val="142616244"/>
       </p:ext>
     </p:extLst>
   </p:cSld>
@@ -16917,7 +16635,7 @@
             </a:pPr>
             <a:r>
               <a:rPr lang="en-US" dirty="0"/>
-              <a:t>Terraform State</a:t>
+              <a:t>Output</a:t>
             </a:r>
             <a:endParaRPr dirty="0"/>
           </a:p>
@@ -16973,8 +16691,8 @@
         </p:nvSpPr>
         <p:spPr>
           <a:xfrm>
-            <a:off x="115262" y="890761"/>
-            <a:ext cx="8168126" cy="4157650"/>
+            <a:off x="268031" y="965619"/>
+            <a:ext cx="7289699" cy="3425555"/>
           </a:xfrm>
           <a:prstGeom prst="rect">
             <a:avLst/>
@@ -17009,15 +16727,41 @@
               </a:spcAft>
               <a:buNone/>
             </a:pPr>
-            <a:endParaRPr lang="en" sz="1800" dirty="0">
-              <a:solidFill>
-                <a:schemeClr val="lt1"/>
-              </a:solidFill>
-              <a:latin typeface="Fira Sans Light"/>
-              <a:ea typeface="Fira Sans Light"/>
-              <a:cs typeface="Fira Sans Light"/>
-              <a:sym typeface="Fira Sans Light"/>
-            </a:endParaRPr>
+            <a:r>
+              <a:rPr lang="en" sz="1800" dirty="0">
+                <a:solidFill>
+                  <a:schemeClr val="lt1"/>
+                </a:solidFill>
+                <a:latin typeface="Fira Sans Light"/>
+                <a:ea typeface="Fira Sans Light"/>
+                <a:cs typeface="Fira Sans Light"/>
+                <a:sym typeface="Fira Sans Light"/>
+              </a:rPr>
+              <a:t>Shows values that are highlighted after terraform applies.</a:t>
+            </a:r>
+          </a:p>
+          <a:p>
+            <a:pPr marL="0" lvl="0" indent="0" rtl="0">
+              <a:spcBef>
+                <a:spcPts val="0"/>
+              </a:spcBef>
+              <a:spcAft>
+                <a:spcPts val="0"/>
+              </a:spcAft>
+              <a:buNone/>
+            </a:pPr>
+            <a:r>
+              <a:rPr lang="en" sz="1800" dirty="0">
+                <a:solidFill>
+                  <a:schemeClr val="lt1"/>
+                </a:solidFill>
+                <a:latin typeface="Fira Sans Light"/>
+                <a:ea typeface="Fira Sans Light"/>
+                <a:cs typeface="Fira Sans Light"/>
+                <a:sym typeface="Fira Sans Light"/>
+              </a:rPr>
+              <a:t>This output is also maintained in terraform state file.</a:t>
+            </a:r>
           </a:p>
           <a:p>
             <a:pPr marL="0" lvl="0" indent="0" rtl="0">
@@ -17049,15 +16793,18 @@
               </a:spcAft>
               <a:buNone/>
             </a:pPr>
-            <a:endParaRPr lang="en" sz="1800" dirty="0">
-              <a:solidFill>
-                <a:schemeClr val="lt1"/>
-              </a:solidFill>
-              <a:latin typeface="Fira Sans Light"/>
-              <a:ea typeface="Fira Sans Light"/>
-              <a:cs typeface="Fira Sans Light"/>
-              <a:sym typeface="Fira Sans Light"/>
-            </a:endParaRPr>
+            <a:r>
+              <a:rPr lang="en" sz="1800" u="sng" dirty="0">
+                <a:solidFill>
+                  <a:schemeClr val="lt1"/>
+                </a:solidFill>
+                <a:latin typeface="Fira Sans Light"/>
+                <a:ea typeface="Fira Sans Light"/>
+                <a:cs typeface="Fira Sans Light"/>
+                <a:sym typeface="Fira Sans Light"/>
+              </a:rPr>
+              <a:t>Example:</a:t>
+            </a:r>
           </a:p>
           <a:p>
             <a:pPr marL="0" lvl="0" indent="0" rtl="0">
@@ -17090,28 +16837,69 @@
               <a:buNone/>
             </a:pPr>
             <a:r>
-              <a:rPr lang="en" sz="1800" dirty="0">
+              <a:rPr lang="en-IN" dirty="0">
                 <a:solidFill>
-                  <a:schemeClr val="lt1"/>
+                  <a:schemeClr val="accent2">
+                    <a:lumMod val="40000"/>
+                    <a:lumOff val="60000"/>
+                  </a:schemeClr>
                 </a:solidFill>
                 <a:latin typeface="Fira Sans Light"/>
-                <a:ea typeface="Fira Sans Light"/>
-                <a:cs typeface="Fira Sans Light"/>
                 <a:sym typeface="Fira Sans Light"/>
               </a:rPr>
-              <a:t>Terraform state stores status of your managed infrastructure &amp; con</a:t>
+              <a:t>o</a:t>
             </a:r>
             <a:r>
-              <a:rPr lang="en-IN" sz="1800" dirty="0">
+              <a:rPr lang="en" dirty="0" err="1">
                 <a:solidFill>
-                  <a:schemeClr val="lt1"/>
+                  <a:schemeClr val="accent2">
+                    <a:lumMod val="40000"/>
+                    <a:lumOff val="60000"/>
+                  </a:schemeClr>
                 </a:solidFill>
                 <a:latin typeface="Fira Sans Light"/>
-                <a:ea typeface="Fira Sans Light"/>
-                <a:cs typeface="Fira Sans Light"/>
                 <a:sym typeface="Fira Sans Light"/>
               </a:rPr>
-              <a:t>figuration.</a:t>
+              <a:t>utput</a:t>
+            </a:r>
+            <a:r>
+              <a:rPr lang="en" dirty="0">
+                <a:solidFill>
+                  <a:schemeClr val="accent2">
+                    <a:lumMod val="40000"/>
+                    <a:lumOff val="60000"/>
+                  </a:schemeClr>
+                </a:solidFill>
+                <a:latin typeface="Fira Sans Light"/>
+                <a:sym typeface="Fira Sans Light"/>
+              </a:rPr>
+              <a:t> “</a:t>
+            </a:r>
+            <a:r>
+              <a:rPr lang="en" dirty="0" err="1">
+                <a:solidFill>
+                  <a:schemeClr val="accent2">
+                    <a:lumMod val="40000"/>
+                    <a:lumOff val="60000"/>
+                  </a:schemeClr>
+                </a:solidFill>
+                <a:latin typeface="Fira Sans Light"/>
+                <a:sym typeface="Fira Sans Light"/>
+              </a:rPr>
+              <a:t>ami_id</a:t>
+            </a:r>
+            <a:r>
+              <a:rPr lang="en" dirty="0">
+                <a:solidFill>
+                  <a:schemeClr val="accent2">
+                    <a:lumMod val="40000"/>
+                    <a:lumOff val="60000"/>
+                  </a:schemeClr>
+                </a:solidFill>
+                <a:latin typeface="Fira Sans Light"/>
+                <a:sym typeface="Fira Sans Light"/>
+              </a:rPr>
+              <a:t>” {</a:t>
             </a:r>
           </a:p>
           <a:p>
@@ -17124,120 +16912,53 @@
               </a:spcAft>
               <a:buNone/>
             </a:pPr>
-            <a:endParaRPr lang="en" sz="1800" dirty="0">
+            <a:r>
+              <a:rPr lang="en" dirty="0">
+                <a:solidFill>
+                  <a:schemeClr val="accent2">
+                    <a:lumMod val="40000"/>
+                    <a:lumOff val="60000"/>
+                  </a:schemeClr>
+                </a:solidFill>
+                <a:latin typeface="Fira Sans Light"/>
+                <a:sym typeface="Fira Sans Light"/>
+              </a:rPr>
+              <a:t>  value = ”${</a:t>
+            </a:r>
+            <a:r>
+              <a:rPr lang="en" dirty="0" err="1">
+                <a:solidFill>
+                  <a:schemeClr val="accent2">
+                    <a:lumMod val="40000"/>
+                    <a:lumOff val="60000"/>
+                  </a:schemeClr>
+                </a:solidFill>
+                <a:latin typeface="Fira Sans Light"/>
+                <a:sym typeface="Fira Sans Light"/>
+              </a:rPr>
+              <a:t>aws_instance.web.ami_id</a:t>
+            </a:r>
+            <a:r>
+              <a:rPr lang="en" dirty="0">
+                <a:solidFill>
+                  <a:schemeClr val="accent2">
+                    <a:lumMod val="40000"/>
+                    <a:lumOff val="60000"/>
+                  </a:schemeClr>
+                </a:solidFill>
+                <a:latin typeface="Fira Sans Light"/>
+                <a:sym typeface="Fira Sans Light"/>
+              </a:rPr>
+              <a:t>}” </a:t>
+            </a:r>
+            <a:endParaRPr lang="en-IN" dirty="0">
               <a:solidFill>
-                <a:schemeClr val="lt1"/>
+                <a:schemeClr val="accent2">
+                  <a:lumMod val="40000"/>
+                  <a:lumOff val="60000"/>
+                </a:schemeClr>
               </a:solidFill>
               <a:latin typeface="Fira Sans Light"/>
-              <a:ea typeface="Fira Sans Light"/>
-              <a:cs typeface="Fira Sans Light"/>
-              <a:sym typeface="Fira Sans Light"/>
-            </a:endParaRPr>
-          </a:p>
-          <a:p>
-            <a:pPr marL="0" lvl="0" indent="0" rtl="0">
-              <a:spcBef>
-                <a:spcPts val="0"/>
-              </a:spcBef>
-              <a:spcAft>
-                <a:spcPts val="0"/>
-              </a:spcAft>
-              <a:buNone/>
-            </a:pPr>
-            <a:r>
-              <a:rPr lang="en" sz="1800" dirty="0">
-                <a:solidFill>
-                  <a:schemeClr val="lt1"/>
-                </a:solidFill>
-                <a:latin typeface="Fira Sans Light"/>
-                <a:ea typeface="Fira Sans Light"/>
-                <a:cs typeface="Fira Sans Light"/>
-                <a:sym typeface="Fira Sans Light"/>
-              </a:rPr>
-              <a:t>This state is used by Terraform to </a:t>
-            </a:r>
-            <a:r>
-              <a:rPr lang="en-IN" sz="1800" dirty="0">
-                <a:solidFill>
-                  <a:schemeClr val="lt1"/>
-                </a:solidFill>
-                <a:latin typeface="Fira Sans Light"/>
-                <a:ea typeface="Fira Sans Light"/>
-                <a:cs typeface="Fira Sans Light"/>
-                <a:sym typeface="Fira Sans Light"/>
-              </a:rPr>
-              <a:t>map real world resources to your configuration, keep track of meta data and to improve performance of large scale infrastructure.</a:t>
-            </a:r>
-          </a:p>
-          <a:p>
-            <a:pPr marL="0" lvl="0" indent="0" rtl="0">
-              <a:spcBef>
-                <a:spcPts val="0"/>
-              </a:spcBef>
-              <a:spcAft>
-                <a:spcPts val="0"/>
-              </a:spcAft>
-              <a:buNone/>
-            </a:pPr>
-            <a:endParaRPr lang="en-IN" sz="1800" dirty="0">
-              <a:solidFill>
-                <a:schemeClr val="lt1"/>
-              </a:solidFill>
-              <a:latin typeface="Fira Sans Light"/>
-              <a:ea typeface="Fira Sans Light"/>
-              <a:cs typeface="Fira Sans Light"/>
-              <a:sym typeface="Fira Sans Light"/>
-            </a:endParaRPr>
-          </a:p>
-          <a:p>
-            <a:pPr marL="0" lvl="0" indent="0" rtl="0">
-              <a:spcBef>
-                <a:spcPts val="0"/>
-              </a:spcBef>
-              <a:spcAft>
-                <a:spcPts val="0"/>
-              </a:spcAft>
-              <a:buNone/>
-            </a:pPr>
-            <a:r>
-              <a:rPr lang="en-IN" sz="1800" dirty="0">
-                <a:solidFill>
-                  <a:schemeClr val="lt1"/>
-                </a:solidFill>
-                <a:latin typeface="Fira Sans Light"/>
-                <a:ea typeface="Fira Sans Light"/>
-                <a:cs typeface="Fira Sans Light"/>
-                <a:sym typeface="Fira Sans Light"/>
-              </a:rPr>
-              <a:t>Terraform state is generally stored in a file locally named as “terraform.tfstate”  but it can be also stored elsewhere which can work better in team environment..</a:t>
-            </a:r>
-            <a:endParaRPr lang="en" sz="1800" dirty="0">
-              <a:solidFill>
-                <a:schemeClr val="lt1"/>
-              </a:solidFill>
-              <a:latin typeface="Fira Sans Light"/>
-              <a:ea typeface="Fira Sans Light"/>
-              <a:cs typeface="Fira Sans Light"/>
-              <a:sym typeface="Fira Sans Light"/>
-            </a:endParaRPr>
-          </a:p>
-          <a:p>
-            <a:pPr marL="0" lvl="0" indent="0" rtl="0">
-              <a:spcBef>
-                <a:spcPts val="0"/>
-              </a:spcBef>
-              <a:spcAft>
-                <a:spcPts val="0"/>
-              </a:spcAft>
-              <a:buNone/>
-            </a:pPr>
-            <a:endParaRPr lang="en-IN" sz="1800" dirty="0">
-              <a:solidFill>
-                <a:schemeClr val="lt1"/>
-              </a:solidFill>
-              <a:latin typeface="Fira Sans Light"/>
-              <a:ea typeface="Fira Sans Light"/>
-              <a:cs typeface="Fira Sans Light"/>
               <a:sym typeface="Fira Sans Light"/>
             </a:endParaRPr>
           </a:p>
@@ -17331,7 +17052,7 @@
           <p:cNvPr id="11" name="Google Shape;475;p38">
             <a:extLst>
               <a:ext uri="{FF2B5EF4-FFF2-40B4-BE49-F238E27FC236}">
-                <a16:creationId xmlns:a16="http://schemas.microsoft.com/office/drawing/2014/main" id="{58F6EA10-D078-4085-9DA7-346ED00C273F}"/>
+                <a16:creationId xmlns:a16="http://schemas.microsoft.com/office/drawing/2014/main" id="{BF789F66-621E-4DD9-9198-D36F5E8665A1}"/>
               </a:ext>
             </a:extLst>
           </p:cNvPr>
@@ -17340,7 +17061,7 @@
         </p:nvGrpSpPr>
         <p:grpSpPr>
           <a:xfrm>
-            <a:off x="205606" y="126418"/>
+            <a:off x="205605" y="163847"/>
             <a:ext cx="347107" cy="420111"/>
             <a:chOff x="584925" y="922575"/>
             <a:chExt cx="415200" cy="502525"/>
@@ -17351,7 +17072,7 @@
             <p:cNvPr id="12" name="Google Shape;476;p38">
               <a:extLst>
                 <a:ext uri="{FF2B5EF4-FFF2-40B4-BE49-F238E27FC236}">
-                  <a16:creationId xmlns:a16="http://schemas.microsoft.com/office/drawing/2014/main" id="{C7C1FF0C-A1F4-41CF-9D08-8A7BC7FB4184}"/>
+                  <a16:creationId xmlns:a16="http://schemas.microsoft.com/office/drawing/2014/main" id="{5EBF2875-1EDB-4799-A397-4B5804420612}"/>
                 </a:ext>
               </a:extLst>
             </p:cNvPr>
@@ -17524,7 +17245,7 @@
             <p:cNvPr id="13" name="Google Shape;477;p38">
               <a:extLst>
                 <a:ext uri="{FF2B5EF4-FFF2-40B4-BE49-F238E27FC236}">
-                  <a16:creationId xmlns:a16="http://schemas.microsoft.com/office/drawing/2014/main" id="{FA70DB5E-3F31-44E2-81C9-2CE65A0D64ED}"/>
+                  <a16:creationId xmlns:a16="http://schemas.microsoft.com/office/drawing/2014/main" id="{8BDDA897-4444-4291-B236-7A855661C276}"/>
                 </a:ext>
               </a:extLst>
             </p:cNvPr>
@@ -17908,7 +17629,7 @@
             <p:cNvPr id="14" name="Google Shape;478;p38">
               <a:extLst>
                 <a:ext uri="{FF2B5EF4-FFF2-40B4-BE49-F238E27FC236}">
-                  <a16:creationId xmlns:a16="http://schemas.microsoft.com/office/drawing/2014/main" id="{03F009AC-9BFD-46F4-AB27-1D3947269860}"/>
+                  <a16:creationId xmlns:a16="http://schemas.microsoft.com/office/drawing/2014/main" id="{FF7126DF-0693-4D16-A5A9-D814499F8CE3}"/>
                 </a:ext>
               </a:extLst>
             </p:cNvPr>
@@ -18002,7 +17723,7 @@
     </p:spTree>
     <p:extLst>
       <p:ext uri="{BB962C8B-B14F-4D97-AF65-F5344CB8AC3E}">
-        <p14:creationId xmlns:p14="http://schemas.microsoft.com/office/powerpoint/2010/main" val="142616244"/>
+        <p14:creationId xmlns:p14="http://schemas.microsoft.com/office/powerpoint/2010/main" val="2052144046"/>
       </p:ext>
     </p:extLst>
   </p:cSld>
@@ -18156,1248 +17877,6 @@
             </a:pPr>
             <a:r>
               <a:rPr lang="en-US" dirty="0"/>
-              <a:t>Output</a:t>
-            </a:r>
-            <a:endParaRPr dirty="0"/>
-          </a:p>
-        </p:txBody>
-      </p:sp>
-      <p:sp>
-        <p:nvSpPr>
-          <p:cNvPr id="222" name="Google Shape;222;p24"/>
-          <p:cNvSpPr txBox="1">
-            <a:spLocks noGrp="1"/>
-          </p:cNvSpPr>
-          <p:nvPr>
-            <p:ph type="sldNum" idx="12"/>
-          </p:nvPr>
-        </p:nvSpPr>
-        <p:spPr>
-          <a:xfrm>
-            <a:off x="8392497" y="4391174"/>
-            <a:ext cx="751500" cy="751500"/>
-          </a:xfrm>
-          <a:prstGeom prst="rect">
-            <a:avLst/>
-          </a:prstGeom>
-        </p:spPr>
-        <p:txBody>
-          <a:bodyPr spcFirstLastPara="1" wrap="square" lIns="0" tIns="0" rIns="0" bIns="0" anchor="ctr" anchorCtr="0">
-            <a:noAutofit/>
-          </a:bodyPr>
-          <a:lstStyle/>
-          <a:p>
-            <a:pPr marL="0" lvl="0" indent="0" algn="ctr" rtl="0">
-              <a:spcBef>
-                <a:spcPts val="0"/>
-              </a:spcBef>
-              <a:spcAft>
-                <a:spcPts val="0"/>
-              </a:spcAft>
-              <a:buNone/>
-            </a:pPr>
-            <a:fld id="{00000000-1234-1234-1234-123412341234}" type="slidenum">
-              <a:rPr lang="en"/>
-              <a:t>7</a:t>
-            </a:fld>
-            <a:endParaRPr/>
-          </a:p>
-        </p:txBody>
-      </p:sp>
-      <p:sp>
-        <p:nvSpPr>
-          <p:cNvPr id="230" name="Google Shape;230;p24"/>
-          <p:cNvSpPr txBox="1"/>
-          <p:nvPr/>
-        </p:nvSpPr>
-        <p:spPr>
-          <a:xfrm>
-            <a:off x="268031" y="965619"/>
-            <a:ext cx="7289699" cy="3425555"/>
-          </a:xfrm>
-          <a:prstGeom prst="rect">
-            <a:avLst/>
-          </a:prstGeom>
-          <a:solidFill>
-            <a:srgbClr val="02102E">
-              <a:alpha val="16200"/>
-            </a:srgbClr>
-          </a:solidFill>
-          <a:ln w="38100" cap="flat" cmpd="sng">
-            <a:solidFill>
-              <a:schemeClr val="accent1"/>
-            </a:solidFill>
-            <a:prstDash val="solid"/>
-            <a:miter lim="8000"/>
-            <a:headEnd type="none" w="sm" len="sm"/>
-            <a:tailEnd type="none" w="sm" len="sm"/>
-          </a:ln>
-        </p:spPr>
-        <p:txBody>
-          <a:bodyPr spcFirstLastPara="1" wrap="square" lIns="91425" tIns="91425" rIns="91425" bIns="91425" anchor="ctr" anchorCtr="0">
-            <a:noAutofit/>
-          </a:bodyPr>
-          <a:lstStyle/>
-          <a:p>
-            <a:pPr marL="0" lvl="0" indent="0" rtl="0">
-              <a:spcBef>
-                <a:spcPts val="0"/>
-              </a:spcBef>
-              <a:spcAft>
-                <a:spcPts val="0"/>
-              </a:spcAft>
-              <a:buNone/>
-            </a:pPr>
-            <a:r>
-              <a:rPr lang="en" sz="1800" dirty="0">
-                <a:solidFill>
-                  <a:schemeClr val="lt1"/>
-                </a:solidFill>
-                <a:latin typeface="Fira Sans Light"/>
-                <a:ea typeface="Fira Sans Light"/>
-                <a:cs typeface="Fira Sans Light"/>
-                <a:sym typeface="Fira Sans Light"/>
-              </a:rPr>
-              <a:t>Shows values that are highlighted after terraform applies.</a:t>
-            </a:r>
-          </a:p>
-          <a:p>
-            <a:pPr marL="0" lvl="0" indent="0" rtl="0">
-              <a:spcBef>
-                <a:spcPts val="0"/>
-              </a:spcBef>
-              <a:spcAft>
-                <a:spcPts val="0"/>
-              </a:spcAft>
-              <a:buNone/>
-            </a:pPr>
-            <a:r>
-              <a:rPr lang="en" sz="1800" dirty="0">
-                <a:solidFill>
-                  <a:schemeClr val="lt1"/>
-                </a:solidFill>
-                <a:latin typeface="Fira Sans Light"/>
-                <a:ea typeface="Fira Sans Light"/>
-                <a:cs typeface="Fira Sans Light"/>
-                <a:sym typeface="Fira Sans Light"/>
-              </a:rPr>
-              <a:t>This output is also maintained in terraform state file.</a:t>
-            </a:r>
-          </a:p>
-          <a:p>
-            <a:pPr marL="0" lvl="0" indent="0" rtl="0">
-              <a:spcBef>
-                <a:spcPts val="0"/>
-              </a:spcBef>
-              <a:spcAft>
-                <a:spcPts val="0"/>
-              </a:spcAft>
-              <a:buNone/>
-            </a:pPr>
-            <a:endParaRPr lang="en" sz="1800" dirty="0">
-              <a:solidFill>
-                <a:schemeClr val="lt1"/>
-              </a:solidFill>
-              <a:latin typeface="Fira Sans Light"/>
-              <a:ea typeface="Fira Sans Light"/>
-              <a:cs typeface="Fira Sans Light"/>
-              <a:sym typeface="Fira Sans Light"/>
-            </a:endParaRPr>
-          </a:p>
-          <a:p>
-            <a:pPr marL="0" lvl="0" indent="0" rtl="0">
-              <a:spcBef>
-                <a:spcPts val="0"/>
-              </a:spcBef>
-              <a:spcAft>
-                <a:spcPts val="0"/>
-              </a:spcAft>
-              <a:buNone/>
-            </a:pPr>
-            <a:r>
-              <a:rPr lang="en" sz="1800" u="sng" dirty="0">
-                <a:solidFill>
-                  <a:schemeClr val="lt1"/>
-                </a:solidFill>
-                <a:latin typeface="Fira Sans Light"/>
-                <a:ea typeface="Fira Sans Light"/>
-                <a:cs typeface="Fira Sans Light"/>
-                <a:sym typeface="Fira Sans Light"/>
-              </a:rPr>
-              <a:t>Example:</a:t>
-            </a:r>
-          </a:p>
-          <a:p>
-            <a:pPr marL="0" lvl="0" indent="0" rtl="0">
-              <a:spcBef>
-                <a:spcPts val="0"/>
-              </a:spcBef>
-              <a:spcAft>
-                <a:spcPts val="0"/>
-              </a:spcAft>
-              <a:buNone/>
-            </a:pPr>
-            <a:endParaRPr lang="en" sz="1800" dirty="0">
-              <a:solidFill>
-                <a:schemeClr val="lt1"/>
-              </a:solidFill>
-              <a:latin typeface="Fira Sans Light"/>
-              <a:ea typeface="Fira Sans Light"/>
-              <a:cs typeface="Fira Sans Light"/>
-              <a:sym typeface="Fira Sans Light"/>
-            </a:endParaRPr>
-          </a:p>
-          <a:p>
-            <a:pPr marL="0" lvl="0" indent="0" rtl="0">
-              <a:spcBef>
-                <a:spcPts val="0"/>
-              </a:spcBef>
-              <a:spcAft>
-                <a:spcPts val="0"/>
-              </a:spcAft>
-              <a:buNone/>
-            </a:pPr>
-            <a:r>
-              <a:rPr lang="en-IN" dirty="0">
-                <a:solidFill>
-                  <a:schemeClr val="accent2">
-                    <a:lumMod val="40000"/>
-                    <a:lumOff val="60000"/>
-                  </a:schemeClr>
-                </a:solidFill>
-                <a:latin typeface="Fira Sans Light"/>
-                <a:sym typeface="Fira Sans Light"/>
-              </a:rPr>
-              <a:t>o</a:t>
-            </a:r>
-            <a:r>
-              <a:rPr lang="en" dirty="0" err="1">
-                <a:solidFill>
-                  <a:schemeClr val="accent2">
-                    <a:lumMod val="40000"/>
-                    <a:lumOff val="60000"/>
-                  </a:schemeClr>
-                </a:solidFill>
-                <a:latin typeface="Fira Sans Light"/>
-                <a:sym typeface="Fira Sans Light"/>
-              </a:rPr>
-              <a:t>utput</a:t>
-            </a:r>
-            <a:r>
-              <a:rPr lang="en" dirty="0">
-                <a:solidFill>
-                  <a:schemeClr val="accent2">
-                    <a:lumMod val="40000"/>
-                    <a:lumOff val="60000"/>
-                  </a:schemeClr>
-                </a:solidFill>
-                <a:latin typeface="Fira Sans Light"/>
-                <a:sym typeface="Fira Sans Light"/>
-              </a:rPr>
-              <a:t> “</a:t>
-            </a:r>
-            <a:r>
-              <a:rPr lang="en" dirty="0" err="1">
-                <a:solidFill>
-                  <a:schemeClr val="accent2">
-                    <a:lumMod val="40000"/>
-                    <a:lumOff val="60000"/>
-                  </a:schemeClr>
-                </a:solidFill>
-                <a:latin typeface="Fira Sans Light"/>
-                <a:sym typeface="Fira Sans Light"/>
-              </a:rPr>
-              <a:t>ami_id</a:t>
-            </a:r>
-            <a:r>
-              <a:rPr lang="en" dirty="0">
-                <a:solidFill>
-                  <a:schemeClr val="accent2">
-                    <a:lumMod val="40000"/>
-                    <a:lumOff val="60000"/>
-                  </a:schemeClr>
-                </a:solidFill>
-                <a:latin typeface="Fira Sans Light"/>
-                <a:sym typeface="Fira Sans Light"/>
-              </a:rPr>
-              <a:t>” {</a:t>
-            </a:r>
-          </a:p>
-          <a:p>
-            <a:pPr marL="0" lvl="0" indent="0" rtl="0">
-              <a:spcBef>
-                <a:spcPts val="0"/>
-              </a:spcBef>
-              <a:spcAft>
-                <a:spcPts val="0"/>
-              </a:spcAft>
-              <a:buNone/>
-            </a:pPr>
-            <a:r>
-              <a:rPr lang="en" dirty="0">
-                <a:solidFill>
-                  <a:schemeClr val="accent2">
-                    <a:lumMod val="40000"/>
-                    <a:lumOff val="60000"/>
-                  </a:schemeClr>
-                </a:solidFill>
-                <a:latin typeface="Fira Sans Light"/>
-                <a:sym typeface="Fira Sans Light"/>
-              </a:rPr>
-              <a:t>  value = ”${</a:t>
-            </a:r>
-            <a:r>
-              <a:rPr lang="en" dirty="0" err="1">
-                <a:solidFill>
-                  <a:schemeClr val="accent2">
-                    <a:lumMod val="40000"/>
-                    <a:lumOff val="60000"/>
-                  </a:schemeClr>
-                </a:solidFill>
-                <a:latin typeface="Fira Sans Light"/>
-                <a:sym typeface="Fira Sans Light"/>
-              </a:rPr>
-              <a:t>aws_instance.web.ami_id</a:t>
-            </a:r>
-            <a:r>
-              <a:rPr lang="en" dirty="0">
-                <a:solidFill>
-                  <a:schemeClr val="accent2">
-                    <a:lumMod val="40000"/>
-                    <a:lumOff val="60000"/>
-                  </a:schemeClr>
-                </a:solidFill>
-                <a:latin typeface="Fira Sans Light"/>
-                <a:sym typeface="Fira Sans Light"/>
-              </a:rPr>
-              <a:t>}” </a:t>
-            </a:r>
-            <a:endParaRPr lang="en-IN" dirty="0">
-              <a:solidFill>
-                <a:schemeClr val="accent2">
-                  <a:lumMod val="40000"/>
-                  <a:lumOff val="60000"/>
-                </a:schemeClr>
-              </a:solidFill>
-              <a:latin typeface="Fira Sans Light"/>
-              <a:sym typeface="Fira Sans Light"/>
-            </a:endParaRPr>
-          </a:p>
-          <a:p>
-            <a:pPr marL="0" lvl="0" indent="0" rtl="0">
-              <a:spcBef>
-                <a:spcPts val="0"/>
-              </a:spcBef>
-              <a:spcAft>
-                <a:spcPts val="0"/>
-              </a:spcAft>
-              <a:buNone/>
-            </a:pPr>
-            <a:endParaRPr lang="en-IN" sz="1800" dirty="0">
-              <a:solidFill>
-                <a:schemeClr val="lt1"/>
-              </a:solidFill>
-              <a:latin typeface="Fira Sans Light"/>
-              <a:ea typeface="Fira Sans Light"/>
-              <a:cs typeface="Fira Sans Light"/>
-              <a:sym typeface="Fira Sans Light"/>
-            </a:endParaRPr>
-          </a:p>
-          <a:p>
-            <a:pPr marL="0" lvl="0" indent="0" rtl="0">
-              <a:spcBef>
-                <a:spcPts val="0"/>
-              </a:spcBef>
-              <a:spcAft>
-                <a:spcPts val="0"/>
-              </a:spcAft>
-              <a:buNone/>
-            </a:pPr>
-            <a:endParaRPr lang="en-IN" sz="1800" dirty="0">
-              <a:solidFill>
-                <a:schemeClr val="lt1"/>
-              </a:solidFill>
-              <a:latin typeface="Fira Sans Light"/>
-              <a:ea typeface="Fira Sans Light"/>
-              <a:cs typeface="Fira Sans Light"/>
-              <a:sym typeface="Fira Sans Light"/>
-            </a:endParaRPr>
-          </a:p>
-          <a:p>
-            <a:pPr marL="0" lvl="0" indent="0" rtl="0">
-              <a:spcBef>
-                <a:spcPts val="0"/>
-              </a:spcBef>
-              <a:spcAft>
-                <a:spcPts val="0"/>
-              </a:spcAft>
-              <a:buNone/>
-            </a:pPr>
-            <a:endParaRPr lang="en-IN" sz="1800" dirty="0">
-              <a:solidFill>
-                <a:schemeClr val="lt1"/>
-              </a:solidFill>
-              <a:latin typeface="Fira Sans Light"/>
-              <a:ea typeface="Fira Sans Light"/>
-              <a:cs typeface="Fira Sans Light"/>
-              <a:sym typeface="Fira Sans Light"/>
-            </a:endParaRPr>
-          </a:p>
-          <a:p>
-            <a:pPr marL="0" lvl="0" indent="0" rtl="0">
-              <a:spcBef>
-                <a:spcPts val="0"/>
-              </a:spcBef>
-              <a:spcAft>
-                <a:spcPts val="0"/>
-              </a:spcAft>
-              <a:buNone/>
-            </a:pPr>
-            <a:r>
-              <a:rPr lang="en-IN" sz="1800" dirty="0">
-                <a:solidFill>
-                  <a:schemeClr val="lt1"/>
-                </a:solidFill>
-                <a:latin typeface="Fira Sans Light"/>
-                <a:ea typeface="Fira Sans Light"/>
-                <a:cs typeface="Fira Sans Light"/>
-                <a:sym typeface="Fira Sans Light"/>
-              </a:rPr>
-              <a:t> </a:t>
-            </a:r>
-          </a:p>
-        </p:txBody>
-      </p:sp>
-      <p:grpSp>
-        <p:nvGrpSpPr>
-          <p:cNvPr id="11" name="Google Shape;475;p38">
-            <a:extLst>
-              <a:ext uri="{FF2B5EF4-FFF2-40B4-BE49-F238E27FC236}">
-                <a16:creationId xmlns:a16="http://schemas.microsoft.com/office/drawing/2014/main" id="{BF789F66-621E-4DD9-9198-D36F5E8665A1}"/>
-              </a:ext>
-            </a:extLst>
-          </p:cNvPr>
-          <p:cNvGrpSpPr/>
-          <p:nvPr/>
-        </p:nvGrpSpPr>
-        <p:grpSpPr>
-          <a:xfrm>
-            <a:off x="205605" y="163847"/>
-            <a:ext cx="347107" cy="420111"/>
-            <a:chOff x="584925" y="922575"/>
-            <a:chExt cx="415200" cy="502525"/>
-          </a:xfrm>
-        </p:grpSpPr>
-        <p:sp>
-          <p:nvSpPr>
-            <p:cNvPr id="12" name="Google Shape;476;p38">
-              <a:extLst>
-                <a:ext uri="{FF2B5EF4-FFF2-40B4-BE49-F238E27FC236}">
-                  <a16:creationId xmlns:a16="http://schemas.microsoft.com/office/drawing/2014/main" id="{5EBF2875-1EDB-4799-A397-4B5804420612}"/>
-                </a:ext>
-              </a:extLst>
-            </p:cNvPr>
-            <p:cNvSpPr/>
-            <p:nvPr/>
-          </p:nvSpPr>
-          <p:spPr>
-            <a:xfrm>
-              <a:off x="584925" y="961025"/>
-              <a:ext cx="378575" cy="464075"/>
-            </a:xfrm>
-            <a:custGeom>
-              <a:avLst/>
-              <a:gdLst/>
-              <a:ahLst/>
-              <a:cxnLst/>
-              <a:rect l="l" t="t" r="r" b="b"/>
-              <a:pathLst>
-                <a:path w="15143" h="18563" extrusionOk="0">
-                  <a:moveTo>
-                    <a:pt x="782" y="1"/>
-                  </a:moveTo>
-                  <a:lnTo>
-                    <a:pt x="635" y="25"/>
-                  </a:lnTo>
-                  <a:lnTo>
-                    <a:pt x="489" y="50"/>
-                  </a:lnTo>
-                  <a:lnTo>
-                    <a:pt x="342" y="123"/>
-                  </a:lnTo>
-                  <a:lnTo>
-                    <a:pt x="220" y="196"/>
-                  </a:lnTo>
-                  <a:lnTo>
-                    <a:pt x="122" y="294"/>
-                  </a:lnTo>
-                  <a:lnTo>
-                    <a:pt x="73" y="416"/>
-                  </a:lnTo>
-                  <a:lnTo>
-                    <a:pt x="24" y="563"/>
-                  </a:lnTo>
-                  <a:lnTo>
-                    <a:pt x="0" y="709"/>
-                  </a:lnTo>
-                  <a:lnTo>
-                    <a:pt x="0" y="17708"/>
-                  </a:lnTo>
-                  <a:lnTo>
-                    <a:pt x="24" y="17879"/>
-                  </a:lnTo>
-                  <a:lnTo>
-                    <a:pt x="73" y="18025"/>
-                  </a:lnTo>
-                  <a:lnTo>
-                    <a:pt x="122" y="18172"/>
-                  </a:lnTo>
-                  <a:lnTo>
-                    <a:pt x="220" y="18294"/>
-                  </a:lnTo>
-                  <a:lnTo>
-                    <a:pt x="342" y="18416"/>
-                  </a:lnTo>
-                  <a:lnTo>
-                    <a:pt x="489" y="18489"/>
-                  </a:lnTo>
-                  <a:lnTo>
-                    <a:pt x="635" y="18538"/>
-                  </a:lnTo>
-                  <a:lnTo>
-                    <a:pt x="782" y="18562"/>
-                  </a:lnTo>
-                  <a:lnTo>
-                    <a:pt x="14361" y="18562"/>
-                  </a:lnTo>
-                  <a:lnTo>
-                    <a:pt x="14507" y="18538"/>
-                  </a:lnTo>
-                  <a:lnTo>
-                    <a:pt x="14654" y="18489"/>
-                  </a:lnTo>
-                  <a:lnTo>
-                    <a:pt x="14800" y="18416"/>
-                  </a:lnTo>
-                  <a:lnTo>
-                    <a:pt x="14923" y="18294"/>
-                  </a:lnTo>
-                  <a:lnTo>
-                    <a:pt x="15020" y="18172"/>
-                  </a:lnTo>
-                  <a:lnTo>
-                    <a:pt x="15069" y="18025"/>
-                  </a:lnTo>
-                  <a:lnTo>
-                    <a:pt x="15118" y="17879"/>
-                  </a:lnTo>
-                  <a:lnTo>
-                    <a:pt x="15142" y="17708"/>
-                  </a:lnTo>
-                  <a:lnTo>
-                    <a:pt x="15142" y="17586"/>
-                  </a:lnTo>
-                  <a:lnTo>
-                    <a:pt x="1759" y="17586"/>
-                  </a:lnTo>
-                  <a:lnTo>
-                    <a:pt x="1612" y="17561"/>
-                  </a:lnTo>
-                  <a:lnTo>
-                    <a:pt x="1465" y="17512"/>
-                  </a:lnTo>
-                  <a:lnTo>
-                    <a:pt x="1319" y="17439"/>
-                  </a:lnTo>
-                  <a:lnTo>
-                    <a:pt x="1197" y="17317"/>
-                  </a:lnTo>
-                  <a:lnTo>
-                    <a:pt x="1099" y="17195"/>
-                  </a:lnTo>
-                  <a:lnTo>
-                    <a:pt x="1050" y="17048"/>
-                  </a:lnTo>
-                  <a:lnTo>
-                    <a:pt x="1001" y="16902"/>
-                  </a:lnTo>
-                  <a:lnTo>
-                    <a:pt x="977" y="16731"/>
-                  </a:lnTo>
-                  <a:lnTo>
-                    <a:pt x="977" y="1"/>
-                  </a:lnTo>
-                  <a:close/>
-                </a:path>
-              </a:pathLst>
-            </a:custGeom>
-            <a:solidFill>
-              <a:schemeClr val="lt1"/>
-            </a:solidFill>
-            <a:ln>
-              <a:noFill/>
-            </a:ln>
-          </p:spPr>
-          <p:txBody>
-            <a:bodyPr spcFirstLastPara="1" wrap="square" lIns="91425" tIns="91425" rIns="91425" bIns="91425" anchor="ctr" anchorCtr="0">
-              <a:noAutofit/>
-            </a:bodyPr>
-            <a:lstStyle/>
-            <a:p>
-              <a:pPr marL="0" lvl="0" indent="0" algn="l" rtl="0">
-                <a:spcBef>
-                  <a:spcPts val="0"/>
-                </a:spcBef>
-                <a:spcAft>
-                  <a:spcPts val="0"/>
-                </a:spcAft>
-                <a:buNone/>
-              </a:pPr>
-              <a:endParaRPr>
-                <a:solidFill>
-                  <a:schemeClr val="dk1"/>
-                </a:solidFill>
-              </a:endParaRPr>
-            </a:p>
-          </p:txBody>
-        </p:sp>
-        <p:sp>
-          <p:nvSpPr>
-            <p:cNvPr id="13" name="Google Shape;477;p38">
-              <a:extLst>
-                <a:ext uri="{FF2B5EF4-FFF2-40B4-BE49-F238E27FC236}">
-                  <a16:creationId xmlns:a16="http://schemas.microsoft.com/office/drawing/2014/main" id="{8BDDA897-4444-4291-B236-7A855661C276}"/>
-                </a:ext>
-              </a:extLst>
-            </p:cNvPr>
-            <p:cNvSpPr/>
-            <p:nvPr/>
-          </p:nvSpPr>
-          <p:spPr>
-            <a:xfrm>
-              <a:off x="621550" y="922575"/>
-              <a:ext cx="378575" cy="464050"/>
-            </a:xfrm>
-            <a:custGeom>
-              <a:avLst/>
-              <a:gdLst/>
-              <a:ahLst/>
-              <a:cxnLst/>
-              <a:rect l="l" t="t" r="r" b="b"/>
-              <a:pathLst>
-                <a:path w="15143" h="18562" extrusionOk="0">
-                  <a:moveTo>
-                    <a:pt x="13140" y="6472"/>
-                  </a:moveTo>
-                  <a:lnTo>
-                    <a:pt x="13238" y="6497"/>
-                  </a:lnTo>
-                  <a:lnTo>
-                    <a:pt x="13311" y="6546"/>
-                  </a:lnTo>
-                  <a:lnTo>
-                    <a:pt x="13360" y="6619"/>
-                  </a:lnTo>
-                  <a:lnTo>
-                    <a:pt x="13384" y="6717"/>
-                  </a:lnTo>
-                  <a:lnTo>
-                    <a:pt x="13360" y="6814"/>
-                  </a:lnTo>
-                  <a:lnTo>
-                    <a:pt x="13311" y="6888"/>
-                  </a:lnTo>
-                  <a:lnTo>
-                    <a:pt x="13238" y="6936"/>
-                  </a:lnTo>
-                  <a:lnTo>
-                    <a:pt x="13140" y="6961"/>
-                  </a:lnTo>
-                  <a:lnTo>
-                    <a:pt x="2003" y="6961"/>
-                  </a:lnTo>
-                  <a:lnTo>
-                    <a:pt x="1905" y="6936"/>
-                  </a:lnTo>
-                  <a:lnTo>
-                    <a:pt x="1832" y="6888"/>
-                  </a:lnTo>
-                  <a:lnTo>
-                    <a:pt x="1783" y="6814"/>
-                  </a:lnTo>
-                  <a:lnTo>
-                    <a:pt x="1759" y="6717"/>
-                  </a:lnTo>
-                  <a:lnTo>
-                    <a:pt x="1783" y="6619"/>
-                  </a:lnTo>
-                  <a:lnTo>
-                    <a:pt x="1832" y="6546"/>
-                  </a:lnTo>
-                  <a:lnTo>
-                    <a:pt x="1905" y="6497"/>
-                  </a:lnTo>
-                  <a:lnTo>
-                    <a:pt x="2003" y="6472"/>
-                  </a:lnTo>
-                  <a:close/>
-                  <a:moveTo>
-                    <a:pt x="13238" y="8793"/>
-                  </a:moveTo>
-                  <a:lnTo>
-                    <a:pt x="13311" y="8866"/>
-                  </a:lnTo>
-                  <a:lnTo>
-                    <a:pt x="13360" y="8939"/>
-                  </a:lnTo>
-                  <a:lnTo>
-                    <a:pt x="13384" y="9037"/>
-                  </a:lnTo>
-                  <a:lnTo>
-                    <a:pt x="13360" y="9135"/>
-                  </a:lnTo>
-                  <a:lnTo>
-                    <a:pt x="13311" y="9208"/>
-                  </a:lnTo>
-                  <a:lnTo>
-                    <a:pt x="13238" y="9257"/>
-                  </a:lnTo>
-                  <a:lnTo>
-                    <a:pt x="13140" y="9281"/>
-                  </a:lnTo>
-                  <a:lnTo>
-                    <a:pt x="2003" y="9281"/>
-                  </a:lnTo>
-                  <a:lnTo>
-                    <a:pt x="1905" y="9257"/>
-                  </a:lnTo>
-                  <a:lnTo>
-                    <a:pt x="1832" y="9208"/>
-                  </a:lnTo>
-                  <a:lnTo>
-                    <a:pt x="1783" y="9135"/>
-                  </a:lnTo>
-                  <a:lnTo>
-                    <a:pt x="1759" y="9037"/>
-                  </a:lnTo>
-                  <a:lnTo>
-                    <a:pt x="1783" y="8939"/>
-                  </a:lnTo>
-                  <a:lnTo>
-                    <a:pt x="1832" y="8866"/>
-                  </a:lnTo>
-                  <a:lnTo>
-                    <a:pt x="1905" y="8793"/>
-                  </a:lnTo>
-                  <a:close/>
-                  <a:moveTo>
-                    <a:pt x="13140" y="11088"/>
-                  </a:moveTo>
-                  <a:lnTo>
-                    <a:pt x="13238" y="11113"/>
-                  </a:lnTo>
-                  <a:lnTo>
-                    <a:pt x="13311" y="11162"/>
-                  </a:lnTo>
-                  <a:lnTo>
-                    <a:pt x="13360" y="11235"/>
-                  </a:lnTo>
-                  <a:lnTo>
-                    <a:pt x="13384" y="11333"/>
-                  </a:lnTo>
-                  <a:lnTo>
-                    <a:pt x="13360" y="11430"/>
-                  </a:lnTo>
-                  <a:lnTo>
-                    <a:pt x="13311" y="11504"/>
-                  </a:lnTo>
-                  <a:lnTo>
-                    <a:pt x="13238" y="11552"/>
-                  </a:lnTo>
-                  <a:lnTo>
-                    <a:pt x="13140" y="11577"/>
-                  </a:lnTo>
-                  <a:lnTo>
-                    <a:pt x="2003" y="11577"/>
-                  </a:lnTo>
-                  <a:lnTo>
-                    <a:pt x="1905" y="11552"/>
-                  </a:lnTo>
-                  <a:lnTo>
-                    <a:pt x="1832" y="11504"/>
-                  </a:lnTo>
-                  <a:lnTo>
-                    <a:pt x="1783" y="11430"/>
-                  </a:lnTo>
-                  <a:lnTo>
-                    <a:pt x="1759" y="11333"/>
-                  </a:lnTo>
-                  <a:lnTo>
-                    <a:pt x="1783" y="11235"/>
-                  </a:lnTo>
-                  <a:lnTo>
-                    <a:pt x="1832" y="11162"/>
-                  </a:lnTo>
-                  <a:lnTo>
-                    <a:pt x="1905" y="11113"/>
-                  </a:lnTo>
-                  <a:lnTo>
-                    <a:pt x="2003" y="11088"/>
-                  </a:lnTo>
-                  <a:close/>
-                  <a:moveTo>
-                    <a:pt x="8255" y="13409"/>
-                  </a:moveTo>
-                  <a:lnTo>
-                    <a:pt x="8353" y="13433"/>
-                  </a:lnTo>
-                  <a:lnTo>
-                    <a:pt x="8426" y="13482"/>
-                  </a:lnTo>
-                  <a:lnTo>
-                    <a:pt x="8475" y="13555"/>
-                  </a:lnTo>
-                  <a:lnTo>
-                    <a:pt x="8500" y="13653"/>
-                  </a:lnTo>
-                  <a:lnTo>
-                    <a:pt x="8475" y="13750"/>
-                  </a:lnTo>
-                  <a:lnTo>
-                    <a:pt x="8426" y="13824"/>
-                  </a:lnTo>
-                  <a:lnTo>
-                    <a:pt x="8353" y="13873"/>
-                  </a:lnTo>
-                  <a:lnTo>
-                    <a:pt x="8255" y="13897"/>
-                  </a:lnTo>
-                  <a:lnTo>
-                    <a:pt x="2003" y="13897"/>
-                  </a:lnTo>
-                  <a:lnTo>
-                    <a:pt x="1905" y="13873"/>
-                  </a:lnTo>
-                  <a:lnTo>
-                    <a:pt x="1832" y="13824"/>
-                  </a:lnTo>
-                  <a:lnTo>
-                    <a:pt x="1783" y="13750"/>
-                  </a:lnTo>
-                  <a:lnTo>
-                    <a:pt x="1759" y="13653"/>
-                  </a:lnTo>
-                  <a:lnTo>
-                    <a:pt x="1783" y="13555"/>
-                  </a:lnTo>
-                  <a:lnTo>
-                    <a:pt x="1832" y="13482"/>
-                  </a:lnTo>
-                  <a:lnTo>
-                    <a:pt x="1905" y="13433"/>
-                  </a:lnTo>
-                  <a:lnTo>
-                    <a:pt x="2003" y="13409"/>
-                  </a:lnTo>
-                  <a:close/>
-                  <a:moveTo>
-                    <a:pt x="635" y="0"/>
-                  </a:moveTo>
-                  <a:lnTo>
-                    <a:pt x="489" y="49"/>
-                  </a:lnTo>
-                  <a:lnTo>
-                    <a:pt x="342" y="122"/>
-                  </a:lnTo>
-                  <a:lnTo>
-                    <a:pt x="220" y="220"/>
-                  </a:lnTo>
-                  <a:lnTo>
-                    <a:pt x="123" y="342"/>
-                  </a:lnTo>
-                  <a:lnTo>
-                    <a:pt x="74" y="464"/>
-                  </a:lnTo>
-                  <a:lnTo>
-                    <a:pt x="25" y="611"/>
-                  </a:lnTo>
-                  <a:lnTo>
-                    <a:pt x="0" y="782"/>
-                  </a:lnTo>
-                  <a:lnTo>
-                    <a:pt x="0" y="17780"/>
-                  </a:lnTo>
-                  <a:lnTo>
-                    <a:pt x="25" y="17927"/>
-                  </a:lnTo>
-                  <a:lnTo>
-                    <a:pt x="74" y="18073"/>
-                  </a:lnTo>
-                  <a:lnTo>
-                    <a:pt x="123" y="18195"/>
-                  </a:lnTo>
-                  <a:lnTo>
-                    <a:pt x="220" y="18318"/>
-                  </a:lnTo>
-                  <a:lnTo>
-                    <a:pt x="342" y="18415"/>
-                  </a:lnTo>
-                  <a:lnTo>
-                    <a:pt x="489" y="18489"/>
-                  </a:lnTo>
-                  <a:lnTo>
-                    <a:pt x="635" y="18537"/>
-                  </a:lnTo>
-                  <a:lnTo>
-                    <a:pt x="782" y="18562"/>
-                  </a:lnTo>
-                  <a:lnTo>
-                    <a:pt x="14361" y="18562"/>
-                  </a:lnTo>
-                  <a:lnTo>
-                    <a:pt x="14508" y="18537"/>
-                  </a:lnTo>
-                  <a:lnTo>
-                    <a:pt x="14654" y="18489"/>
-                  </a:lnTo>
-                  <a:lnTo>
-                    <a:pt x="14801" y="18415"/>
-                  </a:lnTo>
-                  <a:lnTo>
-                    <a:pt x="14923" y="18318"/>
-                  </a:lnTo>
-                  <a:lnTo>
-                    <a:pt x="15021" y="18195"/>
-                  </a:lnTo>
-                  <a:lnTo>
-                    <a:pt x="15069" y="18073"/>
-                  </a:lnTo>
-                  <a:lnTo>
-                    <a:pt x="15118" y="17927"/>
-                  </a:lnTo>
-                  <a:lnTo>
-                    <a:pt x="15143" y="17780"/>
-                  </a:lnTo>
-                  <a:lnTo>
-                    <a:pt x="15143" y="3859"/>
-                  </a:lnTo>
-                  <a:lnTo>
-                    <a:pt x="12554" y="3859"/>
-                  </a:lnTo>
-                  <a:lnTo>
-                    <a:pt x="12285" y="3835"/>
-                  </a:lnTo>
-                  <a:lnTo>
-                    <a:pt x="12065" y="3761"/>
-                  </a:lnTo>
-                  <a:lnTo>
-                    <a:pt x="11846" y="3639"/>
-                  </a:lnTo>
-                  <a:lnTo>
-                    <a:pt x="11650" y="3468"/>
-                  </a:lnTo>
-                  <a:lnTo>
-                    <a:pt x="11504" y="3297"/>
-                  </a:lnTo>
-                  <a:lnTo>
-                    <a:pt x="11382" y="3078"/>
-                  </a:lnTo>
-                  <a:lnTo>
-                    <a:pt x="11308" y="2833"/>
-                  </a:lnTo>
-                  <a:lnTo>
-                    <a:pt x="11284" y="2589"/>
-                  </a:lnTo>
-                  <a:lnTo>
-                    <a:pt x="11284" y="0"/>
-                  </a:lnTo>
-                  <a:close/>
-                </a:path>
-              </a:pathLst>
-            </a:custGeom>
-            <a:solidFill>
-              <a:schemeClr val="lt1"/>
-            </a:solidFill>
-            <a:ln>
-              <a:noFill/>
-            </a:ln>
-          </p:spPr>
-          <p:txBody>
-            <a:bodyPr spcFirstLastPara="1" wrap="square" lIns="91425" tIns="91425" rIns="91425" bIns="91425" anchor="ctr" anchorCtr="0">
-              <a:noAutofit/>
-            </a:bodyPr>
-            <a:lstStyle/>
-            <a:p>
-              <a:pPr marL="0" lvl="0" indent="0" algn="l" rtl="0">
-                <a:spcBef>
-                  <a:spcPts val="0"/>
-                </a:spcBef>
-                <a:spcAft>
-                  <a:spcPts val="0"/>
-                </a:spcAft>
-                <a:buNone/>
-              </a:pPr>
-              <a:endParaRPr>
-                <a:solidFill>
-                  <a:schemeClr val="dk1"/>
-                </a:solidFill>
-              </a:endParaRPr>
-            </a:p>
-          </p:txBody>
-        </p:sp>
-        <p:sp>
-          <p:nvSpPr>
-            <p:cNvPr id="14" name="Google Shape;478;p38">
-              <a:extLst>
-                <a:ext uri="{FF2B5EF4-FFF2-40B4-BE49-F238E27FC236}">
-                  <a16:creationId xmlns:a16="http://schemas.microsoft.com/office/drawing/2014/main" id="{FF7126DF-0693-4D16-A5A9-D814499F8CE3}"/>
-                </a:ext>
-              </a:extLst>
-            </p:cNvPr>
-            <p:cNvSpPr/>
-            <p:nvPr/>
-          </p:nvSpPr>
-          <p:spPr>
-            <a:xfrm>
-              <a:off x="915850" y="922575"/>
-              <a:ext cx="84275" cy="84275"/>
-            </a:xfrm>
-            <a:custGeom>
-              <a:avLst/>
-              <a:gdLst/>
-              <a:ahLst/>
-              <a:cxnLst/>
-              <a:rect l="l" t="t" r="r" b="b"/>
-              <a:pathLst>
-                <a:path w="3371" h="3371" extrusionOk="0">
-                  <a:moveTo>
-                    <a:pt x="0" y="0"/>
-                  </a:moveTo>
-                  <a:lnTo>
-                    <a:pt x="0" y="2589"/>
-                  </a:lnTo>
-                  <a:lnTo>
-                    <a:pt x="0" y="2736"/>
-                  </a:lnTo>
-                  <a:lnTo>
-                    <a:pt x="49" y="2882"/>
-                  </a:lnTo>
-                  <a:lnTo>
-                    <a:pt x="122" y="3029"/>
-                  </a:lnTo>
-                  <a:lnTo>
-                    <a:pt x="220" y="3126"/>
-                  </a:lnTo>
-                  <a:lnTo>
-                    <a:pt x="342" y="3224"/>
-                  </a:lnTo>
-                  <a:lnTo>
-                    <a:pt x="464" y="3297"/>
-                  </a:lnTo>
-                  <a:lnTo>
-                    <a:pt x="611" y="3346"/>
-                  </a:lnTo>
-                  <a:lnTo>
-                    <a:pt x="782" y="3371"/>
-                  </a:lnTo>
-                  <a:lnTo>
-                    <a:pt x="3371" y="3371"/>
-                  </a:lnTo>
-                  <a:lnTo>
-                    <a:pt x="0" y="0"/>
-                  </a:lnTo>
-                  <a:close/>
-                </a:path>
-              </a:pathLst>
-            </a:custGeom>
-            <a:solidFill>
-              <a:schemeClr val="lt1"/>
-            </a:solidFill>
-            <a:ln>
-              <a:noFill/>
-            </a:ln>
-          </p:spPr>
-          <p:txBody>
-            <a:bodyPr spcFirstLastPara="1" wrap="square" lIns="91425" tIns="91425" rIns="91425" bIns="91425" anchor="ctr" anchorCtr="0">
-              <a:noAutofit/>
-            </a:bodyPr>
-            <a:lstStyle/>
-            <a:p>
-              <a:pPr marL="0" lvl="0" indent="0" algn="l" rtl="0">
-                <a:spcBef>
-                  <a:spcPts val="0"/>
-                </a:spcBef>
-                <a:spcAft>
-                  <a:spcPts val="0"/>
-                </a:spcAft>
-                <a:buNone/>
-              </a:pPr>
-              <a:endParaRPr>
-                <a:solidFill>
-                  <a:schemeClr val="dk1"/>
-                </a:solidFill>
-              </a:endParaRPr>
-            </a:p>
-          </p:txBody>
-        </p:sp>
-      </p:grpSp>
-    </p:spTree>
-    <p:extLst>
-      <p:ext uri="{BB962C8B-B14F-4D97-AF65-F5344CB8AC3E}">
-        <p14:creationId xmlns:p14="http://schemas.microsoft.com/office/powerpoint/2010/main" val="2052144046"/>
-      </p:ext>
-    </p:extLst>
-  </p:cSld>
-  <p:clrMapOvr>
-    <a:masterClrMapping/>
-  </p:clrMapOvr>
-  <p:timing>
-    <p:tnLst>
-      <p:par>
-        <p:cTn id="1" dur="indefinite" restart="never" nodeType="tmRoot">
-          <p:childTnLst>
-            <p:seq concurrent="1" nextAc="seek">
-              <p:cTn id="2" dur="indefinite" nodeType="mainSeq">
-                <p:childTnLst>
-                  <p:par>
-                    <p:cTn id="3" fill="hold">
-                      <p:stCondLst>
-                        <p:cond delay="indefinite"/>
-                      </p:stCondLst>
-                      <p:childTnLst>
-                        <p:par>
-                          <p:cTn id="4" fill="hold">
-                            <p:stCondLst>
-                              <p:cond delay="0"/>
-                            </p:stCondLst>
-                            <p:childTnLst>
-                              <p:par>
-                                <p:cTn id="5" presetID="1" presetClass="entr" presetSubtype="0" fill="hold" grpId="0" nodeType="clickEffect">
-                                  <p:stCondLst>
-                                    <p:cond delay="0"/>
-                                  </p:stCondLst>
-                                  <p:childTnLst>
-                                    <p:set>
-                                      <p:cBhvr>
-                                        <p:cTn id="6" dur="1" fill="hold">
-                                          <p:stCondLst>
-                                            <p:cond delay="0"/>
-                                          </p:stCondLst>
-                                        </p:cTn>
-                                        <p:tgtEl>
-                                          <p:spTgt spid="230"/>
-                                        </p:tgtEl>
-                                        <p:attrNameLst>
-                                          <p:attrName>style.visibility</p:attrName>
-                                        </p:attrNameLst>
-                                      </p:cBhvr>
-                                      <p:to>
-                                        <p:strVal val="visible"/>
-                                      </p:to>
-                                    </p:set>
-                                  </p:childTnLst>
-                                </p:cTn>
-                              </p:par>
-                            </p:childTnLst>
-                          </p:cTn>
-                        </p:par>
-                      </p:childTnLst>
-                    </p:cTn>
-                  </p:par>
-                </p:childTnLst>
-              </p:cTn>
-              <p:prevCondLst>
-                <p:cond evt="onPrev" delay="0">
-                  <p:tgtEl>
-                    <p:sldTgt/>
-                  </p:tgtEl>
-                </p:cond>
-              </p:prevCondLst>
-              <p:nextCondLst>
-                <p:cond evt="onNext" delay="0">
-                  <p:tgtEl>
-                    <p:sldTgt/>
-                  </p:tgtEl>
-                </p:cond>
-              </p:nextCondLst>
-            </p:seq>
-          </p:childTnLst>
-        </p:cTn>
-      </p:par>
-    </p:tnLst>
-    <p:bldLst>
-      <p:bldP spid="230" grpId="0" animBg="1"/>
-    </p:bldLst>
-  </p:timing>
-</p:sld>
-</file>
-
-<file path=ppt/slides/slide8.xml><?xml version="1.0" encoding="utf-8"?>
-<p:sld xmlns:a="http://schemas.openxmlformats.org/drawingml/2006/main" xmlns:r="http://schemas.openxmlformats.org/officeDocument/2006/relationships" xmlns:p="http://schemas.openxmlformats.org/presentationml/2006/main">
-  <p:cSld>
-    <p:bg>
-      <p:bgPr>
-        <a:blipFill>
-          <a:blip r:embed="rId3">
-            <a:alphaModFix/>
-          </a:blip>
-          <a:stretch>
-            <a:fillRect/>
-          </a:stretch>
-        </a:blipFill>
-        <a:effectLst/>
-      </p:bgPr>
-    </p:bg>
-    <p:spTree>
-      <p:nvGrpSpPr>
-        <p:cNvPr id="1" name="Shape 220"/>
-        <p:cNvGrpSpPr/>
-        <p:nvPr/>
-      </p:nvGrpSpPr>
-      <p:grpSpPr>
-        <a:xfrm>
-          <a:off x="0" y="0"/>
-          <a:ext cx="0" cy="0"/>
-          <a:chOff x="0" y="0"/>
-          <a:chExt cx="0" cy="0"/>
-        </a:xfrm>
-      </p:grpSpPr>
-      <p:sp>
-        <p:nvSpPr>
-          <p:cNvPr id="221" name="Google Shape;221;p24"/>
-          <p:cNvSpPr txBox="1">
-            <a:spLocks noGrp="1"/>
-          </p:cNvSpPr>
-          <p:nvPr>
-            <p:ph type="title"/>
-          </p:nvPr>
-        </p:nvSpPr>
-        <p:spPr>
-          <a:xfrm>
-            <a:off x="852928" y="200148"/>
-            <a:ext cx="6984787" cy="422259"/>
-          </a:xfrm>
-          <a:prstGeom prst="rect">
-            <a:avLst/>
-          </a:prstGeom>
-        </p:spPr>
-        <p:txBody>
-          <a:bodyPr spcFirstLastPara="1" wrap="square" lIns="0" tIns="0" rIns="0" bIns="0" anchor="ctr" anchorCtr="0">
-            <a:noAutofit/>
-          </a:bodyPr>
-          <a:lstStyle/>
-          <a:p>
-            <a:pPr marL="0" lvl="0" indent="0" algn="l" rtl="0">
-              <a:spcBef>
-                <a:spcPts val="0"/>
-              </a:spcBef>
-              <a:spcAft>
-                <a:spcPts val="0"/>
-              </a:spcAft>
-              <a:buNone/>
-            </a:pPr>
-            <a:r>
-              <a:rPr lang="en-US" dirty="0"/>
               <a:t>Terraform work flow</a:t>
             </a:r>
             <a:endParaRPr dirty="0"/>
@@ -19440,7 +17919,7 @@
             </a:pPr>
             <a:fld id="{00000000-1234-1234-1234-123412341234}" type="slidenum">
               <a:rPr lang="en"/>
-              <a:t>8</a:t>
+              <a:t>7</a:t>
             </a:fld>
             <a:endParaRPr/>
           </a:p>
@@ -20654,7 +19133,7 @@
 </p:sld>
 </file>
 
-<file path=ppt/slides/slide9.xml><?xml version="1.0" encoding="utf-8"?>
+<file path=ppt/slides/slide8.xml><?xml version="1.0" encoding="utf-8"?>
 <p:sld xmlns:a="http://schemas.openxmlformats.org/drawingml/2006/main" xmlns:r="http://schemas.openxmlformats.org/officeDocument/2006/relationships" xmlns:p="http://schemas.openxmlformats.org/presentationml/2006/main">
   <p:cSld>
     <p:bg>
@@ -20819,7 +19298,7 @@
             </a:pPr>
             <a:fld id="{00000000-1234-1234-1234-123412341234}" type="slidenum">
               <a:rPr lang="en"/>
-              <a:t>9</a:t>
+              <a:t>8</a:t>
             </a:fld>
             <a:endParaRPr/>
           </a:p>
@@ -22229,18 +20708,18 @@
 </file>
 
 <file path=customXml/item1.xml><?xml version="1.0" encoding="utf-8"?>
-<p:properties xmlns:p="http://schemas.microsoft.com/office/2006/metadata/properties" xmlns:xsi="http://www.w3.org/2001/XMLSchema-instance" xmlns:pc="http://schemas.microsoft.com/office/infopath/2007/PartnerControls">
-  <documentManagement/>
-</p:properties>
-</file>
-
-<file path=customXml/item2.xml><?xml version="1.0" encoding="utf-8"?>
 <?mso-contentType ?>
 <FormTemplates xmlns="http://schemas.microsoft.com/sharepoint/v3/contenttype/forms">
   <Display>DocumentLibraryForm</Display>
   <Edit>DocumentLibraryForm</Edit>
   <New>DocumentLibraryForm</New>
 </FormTemplates>
+</file>
+
+<file path=customXml/item2.xml><?xml version="1.0" encoding="utf-8"?>
+<p:properties xmlns:p="http://schemas.microsoft.com/office/2006/metadata/properties" xmlns:xsi="http://www.w3.org/2001/XMLSchema-instance" xmlns:pc="http://schemas.microsoft.com/office/infopath/2007/PartnerControls">
+  <documentManagement/>
+</p:properties>
 </file>
 
 <file path=customXml/item3.xml><?xml version="1.0" encoding="utf-8"?>
@@ -22408,6 +20887,14 @@
 </file>
 
 <file path=customXml/itemProps1.xml><?xml version="1.0" encoding="utf-8"?>
+<ds:datastoreItem xmlns:ds="http://schemas.openxmlformats.org/officeDocument/2006/customXml" ds:itemID="{417345C4-7E64-457A-AA9E-BA2136C9346A}">
+  <ds:schemaRefs>
+    <ds:schemaRef ds:uri="http://schemas.microsoft.com/sharepoint/v3/contenttype/forms"/>
+  </ds:schemaRefs>
+</ds:datastoreItem>
+</file>
+
+<file path=customXml/itemProps2.xml><?xml version="1.0" encoding="utf-8"?>
 <ds:datastoreItem xmlns:ds="http://schemas.openxmlformats.org/officeDocument/2006/customXml" ds:itemID="{789A2961-2029-41AF-87D9-8BAF72D2D5BA}">
   <ds:schemaRefs>
     <ds:schemaRef ds:uri="http://schemas.microsoft.com/office/2006/metadata/properties"/>
@@ -22419,14 +20906,6 @@
     <ds:schemaRef ds:uri="http://schemas.openxmlformats.org/package/2006/metadata/core-properties"/>
     <ds:schemaRef ds:uri="http://www.w3.org/XML/1998/namespace"/>
     <ds:schemaRef ds:uri="http://purl.org/dc/dcmitype/"/>
-  </ds:schemaRefs>
-</ds:datastoreItem>
-</file>
-
-<file path=customXml/itemProps2.xml><?xml version="1.0" encoding="utf-8"?>
-<ds:datastoreItem xmlns:ds="http://schemas.openxmlformats.org/officeDocument/2006/customXml" ds:itemID="{417345C4-7E64-457A-AA9E-BA2136C9346A}">
-  <ds:schemaRefs>
-    <ds:schemaRef ds:uri="http://schemas.microsoft.com/sharepoint/v3/contenttype/forms"/>
   </ds:schemaRefs>
 </ds:datastoreItem>
 </file>
